--- a/Kuma wash/N1046723_Kumawash.pptx
+++ b/Kuma wash/N1046723_Kumawash.pptx
@@ -4338,9 +4338,586 @@
   <p:timing>
     <p:tnLst>
       <p:par>
-        <p:cTn id="1" dur="indefinite" restart="never" nodeType="tmRoot"/>
+        <p:cTn id="1" dur="indefinite" restart="never" nodeType="tmRoot">
+          <p:childTnLst>
+            <p:seq concurrent="1" nextAc="seek">
+              <p:cTn id="2" dur="indefinite" nodeType="mainSeq">
+                <p:childTnLst>
+                  <p:par>
+                    <p:cTn id="3" fill="hold">
+                      <p:stCondLst>
+                        <p:cond delay="indefinite"/>
+                      </p:stCondLst>
+                      <p:childTnLst>
+                        <p:par>
+                          <p:cTn id="4" fill="hold">
+                            <p:stCondLst>
+                              <p:cond delay="0"/>
+                            </p:stCondLst>
+                            <p:childTnLst>
+                              <p:par>
+                                <p:cTn id="5" presetID="2" presetClass="entr" presetSubtype="4" fill="hold" grpId="0" nodeType="clickEffect">
+                                  <p:stCondLst>
+                                    <p:cond delay="0"/>
+                                  </p:stCondLst>
+                                  <p:childTnLst>
+                                    <p:set>
+                                      <p:cBhvr>
+                                        <p:cTn id="6" dur="1" fill="hold">
+                                          <p:stCondLst>
+                                            <p:cond delay="0"/>
+                                          </p:stCondLst>
+                                        </p:cTn>
+                                        <p:tgtEl>
+                                          <p:spTgt spid="4"/>
+                                        </p:tgtEl>
+                                        <p:attrNameLst>
+                                          <p:attrName>style.visibility</p:attrName>
+                                        </p:attrNameLst>
+                                      </p:cBhvr>
+                                      <p:to>
+                                        <p:strVal val="visible"/>
+                                      </p:to>
+                                    </p:set>
+                                    <p:anim calcmode="lin" valueType="num">
+                                      <p:cBhvr additive="base">
+                                        <p:cTn id="7" dur="500" fill="hold"/>
+                                        <p:tgtEl>
+                                          <p:spTgt spid="4"/>
+                                        </p:tgtEl>
+                                        <p:attrNameLst>
+                                          <p:attrName>ppt_x</p:attrName>
+                                        </p:attrNameLst>
+                                      </p:cBhvr>
+                                      <p:tavLst>
+                                        <p:tav tm="0">
+                                          <p:val>
+                                            <p:strVal val="#ppt_x"/>
+                                          </p:val>
+                                        </p:tav>
+                                        <p:tav tm="100000">
+                                          <p:val>
+                                            <p:strVal val="#ppt_x"/>
+                                          </p:val>
+                                        </p:tav>
+                                      </p:tavLst>
+                                    </p:anim>
+                                    <p:anim calcmode="lin" valueType="num">
+                                      <p:cBhvr additive="base">
+                                        <p:cTn id="8" dur="500" fill="hold"/>
+                                        <p:tgtEl>
+                                          <p:spTgt spid="4"/>
+                                        </p:tgtEl>
+                                        <p:attrNameLst>
+                                          <p:attrName>ppt_y</p:attrName>
+                                        </p:attrNameLst>
+                                      </p:cBhvr>
+                                      <p:tavLst>
+                                        <p:tav tm="0">
+                                          <p:val>
+                                            <p:strVal val="1+#ppt_h/2"/>
+                                          </p:val>
+                                        </p:tav>
+                                        <p:tav tm="100000">
+                                          <p:val>
+                                            <p:strVal val="#ppt_y"/>
+                                          </p:val>
+                                        </p:tav>
+                                      </p:tavLst>
+                                    </p:anim>
+                                  </p:childTnLst>
+                                </p:cTn>
+                              </p:par>
+                            </p:childTnLst>
+                          </p:cTn>
+                        </p:par>
+                      </p:childTnLst>
+                    </p:cTn>
+                  </p:par>
+                  <p:par>
+                    <p:cTn id="9" fill="hold">
+                      <p:stCondLst>
+                        <p:cond delay="indefinite"/>
+                      </p:stCondLst>
+                      <p:childTnLst>
+                        <p:par>
+                          <p:cTn id="10" fill="hold">
+                            <p:stCondLst>
+                              <p:cond delay="0"/>
+                            </p:stCondLst>
+                            <p:childTnLst>
+                              <p:par>
+                                <p:cTn id="11" presetID="2" presetClass="entr" presetSubtype="4" fill="hold" grpId="0" nodeType="clickEffect">
+                                  <p:stCondLst>
+                                    <p:cond delay="0"/>
+                                  </p:stCondLst>
+                                  <p:childTnLst>
+                                    <p:set>
+                                      <p:cBhvr>
+                                        <p:cTn id="12" dur="1" fill="hold">
+                                          <p:stCondLst>
+                                            <p:cond delay="0"/>
+                                          </p:stCondLst>
+                                        </p:cTn>
+                                        <p:tgtEl>
+                                          <p:spTgt spid="7"/>
+                                        </p:tgtEl>
+                                        <p:attrNameLst>
+                                          <p:attrName>style.visibility</p:attrName>
+                                        </p:attrNameLst>
+                                      </p:cBhvr>
+                                      <p:to>
+                                        <p:strVal val="visible"/>
+                                      </p:to>
+                                    </p:set>
+                                    <p:anim calcmode="lin" valueType="num">
+                                      <p:cBhvr additive="base">
+                                        <p:cTn id="13" dur="500" fill="hold"/>
+                                        <p:tgtEl>
+                                          <p:spTgt spid="7"/>
+                                        </p:tgtEl>
+                                        <p:attrNameLst>
+                                          <p:attrName>ppt_x</p:attrName>
+                                        </p:attrNameLst>
+                                      </p:cBhvr>
+                                      <p:tavLst>
+                                        <p:tav tm="0">
+                                          <p:val>
+                                            <p:strVal val="#ppt_x"/>
+                                          </p:val>
+                                        </p:tav>
+                                        <p:tav tm="100000">
+                                          <p:val>
+                                            <p:strVal val="#ppt_x"/>
+                                          </p:val>
+                                        </p:tav>
+                                      </p:tavLst>
+                                    </p:anim>
+                                    <p:anim calcmode="lin" valueType="num">
+                                      <p:cBhvr additive="base">
+                                        <p:cTn id="14" dur="500" fill="hold"/>
+                                        <p:tgtEl>
+                                          <p:spTgt spid="7"/>
+                                        </p:tgtEl>
+                                        <p:attrNameLst>
+                                          <p:attrName>ppt_y</p:attrName>
+                                        </p:attrNameLst>
+                                      </p:cBhvr>
+                                      <p:tavLst>
+                                        <p:tav tm="0">
+                                          <p:val>
+                                            <p:strVal val="1+#ppt_h/2"/>
+                                          </p:val>
+                                        </p:tav>
+                                        <p:tav tm="100000">
+                                          <p:val>
+                                            <p:strVal val="#ppt_y"/>
+                                          </p:val>
+                                        </p:tav>
+                                      </p:tavLst>
+                                    </p:anim>
+                                  </p:childTnLst>
+                                </p:cTn>
+                              </p:par>
+                            </p:childTnLst>
+                          </p:cTn>
+                        </p:par>
+                      </p:childTnLst>
+                    </p:cTn>
+                  </p:par>
+                  <p:par>
+                    <p:cTn id="15" fill="hold">
+                      <p:stCondLst>
+                        <p:cond delay="indefinite"/>
+                      </p:stCondLst>
+                      <p:childTnLst>
+                        <p:par>
+                          <p:cTn id="16" fill="hold">
+                            <p:stCondLst>
+                              <p:cond delay="0"/>
+                            </p:stCondLst>
+                            <p:childTnLst>
+                              <p:par>
+                                <p:cTn id="17" presetID="2" presetClass="entr" presetSubtype="4" fill="hold" grpId="0" nodeType="clickEffect">
+                                  <p:stCondLst>
+                                    <p:cond delay="0"/>
+                                  </p:stCondLst>
+                                  <p:childTnLst>
+                                    <p:set>
+                                      <p:cBhvr>
+                                        <p:cTn id="18" dur="1" fill="hold">
+                                          <p:stCondLst>
+                                            <p:cond delay="0"/>
+                                          </p:stCondLst>
+                                        </p:cTn>
+                                        <p:tgtEl>
+                                          <p:spTgt spid="9"/>
+                                        </p:tgtEl>
+                                        <p:attrNameLst>
+                                          <p:attrName>style.visibility</p:attrName>
+                                        </p:attrNameLst>
+                                      </p:cBhvr>
+                                      <p:to>
+                                        <p:strVal val="visible"/>
+                                      </p:to>
+                                    </p:set>
+                                    <p:anim calcmode="lin" valueType="num">
+                                      <p:cBhvr additive="base">
+                                        <p:cTn id="19" dur="500" fill="hold"/>
+                                        <p:tgtEl>
+                                          <p:spTgt spid="9"/>
+                                        </p:tgtEl>
+                                        <p:attrNameLst>
+                                          <p:attrName>ppt_x</p:attrName>
+                                        </p:attrNameLst>
+                                      </p:cBhvr>
+                                      <p:tavLst>
+                                        <p:tav tm="0">
+                                          <p:val>
+                                            <p:strVal val="#ppt_x"/>
+                                          </p:val>
+                                        </p:tav>
+                                        <p:tav tm="100000">
+                                          <p:val>
+                                            <p:strVal val="#ppt_x"/>
+                                          </p:val>
+                                        </p:tav>
+                                      </p:tavLst>
+                                    </p:anim>
+                                    <p:anim calcmode="lin" valueType="num">
+                                      <p:cBhvr additive="base">
+                                        <p:cTn id="20" dur="500" fill="hold"/>
+                                        <p:tgtEl>
+                                          <p:spTgt spid="9"/>
+                                        </p:tgtEl>
+                                        <p:attrNameLst>
+                                          <p:attrName>ppt_y</p:attrName>
+                                        </p:attrNameLst>
+                                      </p:cBhvr>
+                                      <p:tavLst>
+                                        <p:tav tm="0">
+                                          <p:val>
+                                            <p:strVal val="1+#ppt_h/2"/>
+                                          </p:val>
+                                        </p:tav>
+                                        <p:tav tm="100000">
+                                          <p:val>
+                                            <p:strVal val="#ppt_y"/>
+                                          </p:val>
+                                        </p:tav>
+                                      </p:tavLst>
+                                    </p:anim>
+                                  </p:childTnLst>
+                                </p:cTn>
+                              </p:par>
+                            </p:childTnLst>
+                          </p:cTn>
+                        </p:par>
+                      </p:childTnLst>
+                    </p:cTn>
+                  </p:par>
+                  <p:par>
+                    <p:cTn id="21" fill="hold">
+                      <p:stCondLst>
+                        <p:cond delay="indefinite"/>
+                      </p:stCondLst>
+                      <p:childTnLst>
+                        <p:par>
+                          <p:cTn id="22" fill="hold">
+                            <p:stCondLst>
+                              <p:cond delay="0"/>
+                            </p:stCondLst>
+                            <p:childTnLst>
+                              <p:par>
+                                <p:cTn id="23" presetID="2" presetClass="entr" presetSubtype="4" fill="hold" grpId="0" nodeType="clickEffect">
+                                  <p:stCondLst>
+                                    <p:cond delay="0"/>
+                                  </p:stCondLst>
+                                  <p:childTnLst>
+                                    <p:set>
+                                      <p:cBhvr>
+                                        <p:cTn id="24" dur="1" fill="hold">
+                                          <p:stCondLst>
+                                            <p:cond delay="0"/>
+                                          </p:stCondLst>
+                                        </p:cTn>
+                                        <p:tgtEl>
+                                          <p:spTgt spid="6"/>
+                                        </p:tgtEl>
+                                        <p:attrNameLst>
+                                          <p:attrName>style.visibility</p:attrName>
+                                        </p:attrNameLst>
+                                      </p:cBhvr>
+                                      <p:to>
+                                        <p:strVal val="visible"/>
+                                      </p:to>
+                                    </p:set>
+                                    <p:anim calcmode="lin" valueType="num">
+                                      <p:cBhvr additive="base">
+                                        <p:cTn id="25" dur="500" fill="hold"/>
+                                        <p:tgtEl>
+                                          <p:spTgt spid="6"/>
+                                        </p:tgtEl>
+                                        <p:attrNameLst>
+                                          <p:attrName>ppt_x</p:attrName>
+                                        </p:attrNameLst>
+                                      </p:cBhvr>
+                                      <p:tavLst>
+                                        <p:tav tm="0">
+                                          <p:val>
+                                            <p:strVal val="#ppt_x"/>
+                                          </p:val>
+                                        </p:tav>
+                                        <p:tav tm="100000">
+                                          <p:val>
+                                            <p:strVal val="#ppt_x"/>
+                                          </p:val>
+                                        </p:tav>
+                                      </p:tavLst>
+                                    </p:anim>
+                                    <p:anim calcmode="lin" valueType="num">
+                                      <p:cBhvr additive="base">
+                                        <p:cTn id="26" dur="500" fill="hold"/>
+                                        <p:tgtEl>
+                                          <p:spTgt spid="6"/>
+                                        </p:tgtEl>
+                                        <p:attrNameLst>
+                                          <p:attrName>ppt_y</p:attrName>
+                                        </p:attrNameLst>
+                                      </p:cBhvr>
+                                      <p:tavLst>
+                                        <p:tav tm="0">
+                                          <p:val>
+                                            <p:strVal val="1+#ppt_h/2"/>
+                                          </p:val>
+                                        </p:tav>
+                                        <p:tav tm="100000">
+                                          <p:val>
+                                            <p:strVal val="#ppt_y"/>
+                                          </p:val>
+                                        </p:tav>
+                                      </p:tavLst>
+                                    </p:anim>
+                                  </p:childTnLst>
+                                </p:cTn>
+                              </p:par>
+                            </p:childTnLst>
+                          </p:cTn>
+                        </p:par>
+                      </p:childTnLst>
+                    </p:cTn>
+                  </p:par>
+                  <p:par>
+                    <p:cTn id="27" fill="hold">
+                      <p:stCondLst>
+                        <p:cond delay="indefinite"/>
+                      </p:stCondLst>
+                      <p:childTnLst>
+                        <p:par>
+                          <p:cTn id="28" fill="hold">
+                            <p:stCondLst>
+                              <p:cond delay="0"/>
+                            </p:stCondLst>
+                            <p:childTnLst>
+                              <p:par>
+                                <p:cTn id="29" presetID="2" presetClass="entr" presetSubtype="4" fill="hold" grpId="0" nodeType="clickEffect">
+                                  <p:stCondLst>
+                                    <p:cond delay="0"/>
+                                  </p:stCondLst>
+                                  <p:childTnLst>
+                                    <p:set>
+                                      <p:cBhvr>
+                                        <p:cTn id="30" dur="1" fill="hold">
+                                          <p:stCondLst>
+                                            <p:cond delay="0"/>
+                                          </p:stCondLst>
+                                        </p:cTn>
+                                        <p:tgtEl>
+                                          <p:spTgt spid="10"/>
+                                        </p:tgtEl>
+                                        <p:attrNameLst>
+                                          <p:attrName>style.visibility</p:attrName>
+                                        </p:attrNameLst>
+                                      </p:cBhvr>
+                                      <p:to>
+                                        <p:strVal val="visible"/>
+                                      </p:to>
+                                    </p:set>
+                                    <p:anim calcmode="lin" valueType="num">
+                                      <p:cBhvr additive="base">
+                                        <p:cTn id="31" dur="500" fill="hold"/>
+                                        <p:tgtEl>
+                                          <p:spTgt spid="10"/>
+                                        </p:tgtEl>
+                                        <p:attrNameLst>
+                                          <p:attrName>ppt_x</p:attrName>
+                                        </p:attrNameLst>
+                                      </p:cBhvr>
+                                      <p:tavLst>
+                                        <p:tav tm="0">
+                                          <p:val>
+                                            <p:strVal val="#ppt_x"/>
+                                          </p:val>
+                                        </p:tav>
+                                        <p:tav tm="100000">
+                                          <p:val>
+                                            <p:strVal val="#ppt_x"/>
+                                          </p:val>
+                                        </p:tav>
+                                      </p:tavLst>
+                                    </p:anim>
+                                    <p:anim calcmode="lin" valueType="num">
+                                      <p:cBhvr additive="base">
+                                        <p:cTn id="32" dur="500" fill="hold"/>
+                                        <p:tgtEl>
+                                          <p:spTgt spid="10"/>
+                                        </p:tgtEl>
+                                        <p:attrNameLst>
+                                          <p:attrName>ppt_y</p:attrName>
+                                        </p:attrNameLst>
+                                      </p:cBhvr>
+                                      <p:tavLst>
+                                        <p:tav tm="0">
+                                          <p:val>
+                                            <p:strVal val="1+#ppt_h/2"/>
+                                          </p:val>
+                                        </p:tav>
+                                        <p:tav tm="100000">
+                                          <p:val>
+                                            <p:strVal val="#ppt_y"/>
+                                          </p:val>
+                                        </p:tav>
+                                      </p:tavLst>
+                                    </p:anim>
+                                  </p:childTnLst>
+                                </p:cTn>
+                              </p:par>
+                            </p:childTnLst>
+                          </p:cTn>
+                        </p:par>
+                      </p:childTnLst>
+                    </p:cTn>
+                  </p:par>
+                  <p:par>
+                    <p:cTn id="33" fill="hold">
+                      <p:stCondLst>
+                        <p:cond delay="indefinite"/>
+                      </p:stCondLst>
+                      <p:childTnLst>
+                        <p:par>
+                          <p:cTn id="34" fill="hold">
+                            <p:stCondLst>
+                              <p:cond delay="0"/>
+                            </p:stCondLst>
+                            <p:childTnLst>
+                              <p:par>
+                                <p:cTn id="35" presetID="2" presetClass="entr" presetSubtype="4" fill="hold" grpId="0" nodeType="clickEffect">
+                                  <p:stCondLst>
+                                    <p:cond delay="0"/>
+                                  </p:stCondLst>
+                                  <p:childTnLst>
+                                    <p:set>
+                                      <p:cBhvr>
+                                        <p:cTn id="36" dur="1" fill="hold">
+                                          <p:stCondLst>
+                                            <p:cond delay="0"/>
+                                          </p:stCondLst>
+                                        </p:cTn>
+                                        <p:tgtEl>
+                                          <p:spTgt spid="12"/>
+                                        </p:tgtEl>
+                                        <p:attrNameLst>
+                                          <p:attrName>style.visibility</p:attrName>
+                                        </p:attrNameLst>
+                                      </p:cBhvr>
+                                      <p:to>
+                                        <p:strVal val="visible"/>
+                                      </p:to>
+                                    </p:set>
+                                    <p:anim calcmode="lin" valueType="num">
+                                      <p:cBhvr additive="base">
+                                        <p:cTn id="37" dur="500" fill="hold"/>
+                                        <p:tgtEl>
+                                          <p:spTgt spid="12"/>
+                                        </p:tgtEl>
+                                        <p:attrNameLst>
+                                          <p:attrName>ppt_x</p:attrName>
+                                        </p:attrNameLst>
+                                      </p:cBhvr>
+                                      <p:tavLst>
+                                        <p:tav tm="0">
+                                          <p:val>
+                                            <p:strVal val="#ppt_x"/>
+                                          </p:val>
+                                        </p:tav>
+                                        <p:tav tm="100000">
+                                          <p:val>
+                                            <p:strVal val="#ppt_x"/>
+                                          </p:val>
+                                        </p:tav>
+                                      </p:tavLst>
+                                    </p:anim>
+                                    <p:anim calcmode="lin" valueType="num">
+                                      <p:cBhvr additive="base">
+                                        <p:cTn id="38" dur="500" fill="hold"/>
+                                        <p:tgtEl>
+                                          <p:spTgt spid="12"/>
+                                        </p:tgtEl>
+                                        <p:attrNameLst>
+                                          <p:attrName>ppt_y</p:attrName>
+                                        </p:attrNameLst>
+                                      </p:cBhvr>
+                                      <p:tavLst>
+                                        <p:tav tm="0">
+                                          <p:val>
+                                            <p:strVal val="1+#ppt_h/2"/>
+                                          </p:val>
+                                        </p:tav>
+                                        <p:tav tm="100000">
+                                          <p:val>
+                                            <p:strVal val="#ppt_y"/>
+                                          </p:val>
+                                        </p:tav>
+                                      </p:tavLst>
+                                    </p:anim>
+                                  </p:childTnLst>
+                                </p:cTn>
+                              </p:par>
+                            </p:childTnLst>
+                          </p:cTn>
+                        </p:par>
+                      </p:childTnLst>
+                    </p:cTn>
+                  </p:par>
+                </p:childTnLst>
+              </p:cTn>
+              <p:prevCondLst>
+                <p:cond evt="onPrev" delay="0">
+                  <p:tgtEl>
+                    <p:sldTgt/>
+                  </p:tgtEl>
+                </p:cond>
+              </p:prevCondLst>
+              <p:nextCondLst>
+                <p:cond evt="onNext" delay="0">
+                  <p:tgtEl>
+                    <p:sldTgt/>
+                  </p:tgtEl>
+                </p:cond>
+              </p:nextCondLst>
+            </p:seq>
+          </p:childTnLst>
+        </p:cTn>
       </p:par>
     </p:tnLst>
+    <p:bldLst>
+      <p:bldP spid="4" grpId="0" animBg="1"/>
+      <p:bldP spid="6" grpId="0" animBg="1"/>
+      <p:bldP spid="7" grpId="0" animBg="1"/>
+      <p:bldP spid="10" grpId="0" animBg="1"/>
+      <p:bldP spid="9" grpId="0" animBg="1"/>
+      <p:bldP spid="12" grpId="0" animBg="1"/>
+    </p:bldLst>
   </p:timing>
 </p:sld>
 </file>
@@ -4643,9 +5220,310 @@
   <p:timing>
     <p:tnLst>
       <p:par>
-        <p:cTn id="1" dur="indefinite" restart="never" nodeType="tmRoot"/>
+        <p:cTn id="1" dur="indefinite" restart="never" nodeType="tmRoot">
+          <p:childTnLst>
+            <p:seq concurrent="1" nextAc="seek">
+              <p:cTn id="2" dur="indefinite" nodeType="mainSeq">
+                <p:childTnLst>
+                  <p:par>
+                    <p:cTn id="3" fill="hold">
+                      <p:stCondLst>
+                        <p:cond delay="indefinite"/>
+                      </p:stCondLst>
+                      <p:childTnLst>
+                        <p:par>
+                          <p:cTn id="4" fill="hold">
+                            <p:stCondLst>
+                              <p:cond delay="0"/>
+                            </p:stCondLst>
+                            <p:childTnLst>
+                              <p:par>
+                                <p:cTn id="5" presetID="2" presetClass="entr" presetSubtype="4" fill="hold" grpId="0" nodeType="clickEffect">
+                                  <p:stCondLst>
+                                    <p:cond delay="0"/>
+                                  </p:stCondLst>
+                                  <p:childTnLst>
+                                    <p:set>
+                                      <p:cBhvr>
+                                        <p:cTn id="6" dur="1" fill="hold">
+                                          <p:stCondLst>
+                                            <p:cond delay="0"/>
+                                          </p:stCondLst>
+                                        </p:cTn>
+                                        <p:tgtEl>
+                                          <p:spTgt spid="5"/>
+                                        </p:tgtEl>
+                                        <p:attrNameLst>
+                                          <p:attrName>style.visibility</p:attrName>
+                                        </p:attrNameLst>
+                                      </p:cBhvr>
+                                      <p:to>
+                                        <p:strVal val="visible"/>
+                                      </p:to>
+                                    </p:set>
+                                    <p:anim calcmode="lin" valueType="num">
+                                      <p:cBhvr additive="base">
+                                        <p:cTn id="7" dur="500" fill="hold"/>
+                                        <p:tgtEl>
+                                          <p:spTgt spid="5"/>
+                                        </p:tgtEl>
+                                        <p:attrNameLst>
+                                          <p:attrName>ppt_x</p:attrName>
+                                        </p:attrNameLst>
+                                      </p:cBhvr>
+                                      <p:tavLst>
+                                        <p:tav tm="0">
+                                          <p:val>
+                                            <p:strVal val="#ppt_x"/>
+                                          </p:val>
+                                        </p:tav>
+                                        <p:tav tm="100000">
+                                          <p:val>
+                                            <p:strVal val="#ppt_x"/>
+                                          </p:val>
+                                        </p:tav>
+                                      </p:tavLst>
+                                    </p:anim>
+                                    <p:anim calcmode="lin" valueType="num">
+                                      <p:cBhvr additive="base">
+                                        <p:cTn id="8" dur="500" fill="hold"/>
+                                        <p:tgtEl>
+                                          <p:spTgt spid="5"/>
+                                        </p:tgtEl>
+                                        <p:attrNameLst>
+                                          <p:attrName>ppt_y</p:attrName>
+                                        </p:attrNameLst>
+                                      </p:cBhvr>
+                                      <p:tavLst>
+                                        <p:tav tm="0">
+                                          <p:val>
+                                            <p:strVal val="1+#ppt_h/2"/>
+                                          </p:val>
+                                        </p:tav>
+                                        <p:tav tm="100000">
+                                          <p:val>
+                                            <p:strVal val="#ppt_y"/>
+                                          </p:val>
+                                        </p:tav>
+                                      </p:tavLst>
+                                    </p:anim>
+                                  </p:childTnLst>
+                                </p:cTn>
+                              </p:par>
+                            </p:childTnLst>
+                          </p:cTn>
+                        </p:par>
+                      </p:childTnLst>
+                    </p:cTn>
+                  </p:par>
+                  <p:par>
+                    <p:cTn id="9" fill="hold">
+                      <p:stCondLst>
+                        <p:cond delay="indefinite"/>
+                      </p:stCondLst>
+                      <p:childTnLst>
+                        <p:par>
+                          <p:cTn id="10" fill="hold">
+                            <p:stCondLst>
+                              <p:cond delay="0"/>
+                            </p:stCondLst>
+                            <p:childTnLst>
+                              <p:par>
+                                <p:cTn id="11" presetID="2" presetClass="entr" presetSubtype="4" fill="hold" grpId="0" nodeType="clickEffect">
+                                  <p:stCondLst>
+                                    <p:cond delay="0"/>
+                                  </p:stCondLst>
+                                  <p:childTnLst>
+                                    <p:set>
+                                      <p:cBhvr>
+                                        <p:cTn id="12" dur="1" fill="hold">
+                                          <p:stCondLst>
+                                            <p:cond delay="0"/>
+                                          </p:stCondLst>
+                                        </p:cTn>
+                                        <p:tgtEl>
+                                          <p:spTgt spid="6"/>
+                                        </p:tgtEl>
+                                        <p:attrNameLst>
+                                          <p:attrName>style.visibility</p:attrName>
+                                        </p:attrNameLst>
+                                      </p:cBhvr>
+                                      <p:to>
+                                        <p:strVal val="visible"/>
+                                      </p:to>
+                                    </p:set>
+                                    <p:anim calcmode="lin" valueType="num">
+                                      <p:cBhvr additive="base">
+                                        <p:cTn id="13" dur="500" fill="hold"/>
+                                        <p:tgtEl>
+                                          <p:spTgt spid="6"/>
+                                        </p:tgtEl>
+                                        <p:attrNameLst>
+                                          <p:attrName>ppt_x</p:attrName>
+                                        </p:attrNameLst>
+                                      </p:cBhvr>
+                                      <p:tavLst>
+                                        <p:tav tm="0">
+                                          <p:val>
+                                            <p:strVal val="#ppt_x"/>
+                                          </p:val>
+                                        </p:tav>
+                                        <p:tav tm="100000">
+                                          <p:val>
+                                            <p:strVal val="#ppt_x"/>
+                                          </p:val>
+                                        </p:tav>
+                                      </p:tavLst>
+                                    </p:anim>
+                                    <p:anim calcmode="lin" valueType="num">
+                                      <p:cBhvr additive="base">
+                                        <p:cTn id="14" dur="500" fill="hold"/>
+                                        <p:tgtEl>
+                                          <p:spTgt spid="6"/>
+                                        </p:tgtEl>
+                                        <p:attrNameLst>
+                                          <p:attrName>ppt_y</p:attrName>
+                                        </p:attrNameLst>
+                                      </p:cBhvr>
+                                      <p:tavLst>
+                                        <p:tav tm="0">
+                                          <p:val>
+                                            <p:strVal val="1+#ppt_h/2"/>
+                                          </p:val>
+                                        </p:tav>
+                                        <p:tav tm="100000">
+                                          <p:val>
+                                            <p:strVal val="#ppt_y"/>
+                                          </p:val>
+                                        </p:tav>
+                                      </p:tavLst>
+                                    </p:anim>
+                                  </p:childTnLst>
+                                </p:cTn>
+                              </p:par>
+                            </p:childTnLst>
+                          </p:cTn>
+                        </p:par>
+                      </p:childTnLst>
+                    </p:cTn>
+                  </p:par>
+                  <p:par>
+                    <p:cTn id="15" fill="hold">
+                      <p:stCondLst>
+                        <p:cond delay="indefinite"/>
+                      </p:stCondLst>
+                      <p:childTnLst>
+                        <p:par>
+                          <p:cTn id="16" fill="hold">
+                            <p:stCondLst>
+                              <p:cond delay="0"/>
+                            </p:stCondLst>
+                            <p:childTnLst>
+                              <p:par>
+                                <p:cTn id="17" presetID="2" presetClass="entr" presetSubtype="4" fill="hold" grpId="0" nodeType="clickEffect">
+                                  <p:stCondLst>
+                                    <p:cond delay="0"/>
+                                  </p:stCondLst>
+                                  <p:childTnLst>
+                                    <p:set>
+                                      <p:cBhvr>
+                                        <p:cTn id="18" dur="1" fill="hold">
+                                          <p:stCondLst>
+                                            <p:cond delay="0"/>
+                                          </p:stCondLst>
+                                        </p:cTn>
+                                        <p:tgtEl>
+                                          <p:spTgt spid="7"/>
+                                        </p:tgtEl>
+                                        <p:attrNameLst>
+                                          <p:attrName>style.visibility</p:attrName>
+                                        </p:attrNameLst>
+                                      </p:cBhvr>
+                                      <p:to>
+                                        <p:strVal val="visible"/>
+                                      </p:to>
+                                    </p:set>
+                                    <p:anim calcmode="lin" valueType="num">
+                                      <p:cBhvr additive="base">
+                                        <p:cTn id="19" dur="500" fill="hold"/>
+                                        <p:tgtEl>
+                                          <p:spTgt spid="7"/>
+                                        </p:tgtEl>
+                                        <p:attrNameLst>
+                                          <p:attrName>ppt_x</p:attrName>
+                                        </p:attrNameLst>
+                                      </p:cBhvr>
+                                      <p:tavLst>
+                                        <p:tav tm="0">
+                                          <p:val>
+                                            <p:strVal val="#ppt_x"/>
+                                          </p:val>
+                                        </p:tav>
+                                        <p:tav tm="100000">
+                                          <p:val>
+                                            <p:strVal val="#ppt_x"/>
+                                          </p:val>
+                                        </p:tav>
+                                      </p:tavLst>
+                                    </p:anim>
+                                    <p:anim calcmode="lin" valueType="num">
+                                      <p:cBhvr additive="base">
+                                        <p:cTn id="20" dur="500" fill="hold"/>
+                                        <p:tgtEl>
+                                          <p:spTgt spid="7"/>
+                                        </p:tgtEl>
+                                        <p:attrNameLst>
+                                          <p:attrName>ppt_y</p:attrName>
+                                        </p:attrNameLst>
+                                      </p:cBhvr>
+                                      <p:tavLst>
+                                        <p:tav tm="0">
+                                          <p:val>
+                                            <p:strVal val="1+#ppt_h/2"/>
+                                          </p:val>
+                                        </p:tav>
+                                        <p:tav tm="100000">
+                                          <p:val>
+                                            <p:strVal val="#ppt_y"/>
+                                          </p:val>
+                                        </p:tav>
+                                      </p:tavLst>
+                                    </p:anim>
+                                  </p:childTnLst>
+                                </p:cTn>
+                              </p:par>
+                            </p:childTnLst>
+                          </p:cTn>
+                        </p:par>
+                      </p:childTnLst>
+                    </p:cTn>
+                  </p:par>
+                </p:childTnLst>
+              </p:cTn>
+              <p:prevCondLst>
+                <p:cond evt="onPrev" delay="0">
+                  <p:tgtEl>
+                    <p:sldTgt/>
+                  </p:tgtEl>
+                </p:cond>
+              </p:prevCondLst>
+              <p:nextCondLst>
+                <p:cond evt="onNext" delay="0">
+                  <p:tgtEl>
+                    <p:sldTgt/>
+                  </p:tgtEl>
+                </p:cond>
+              </p:nextCondLst>
+            </p:seq>
+          </p:childTnLst>
+        </p:cTn>
       </p:par>
     </p:tnLst>
+    <p:bldLst>
+      <p:bldP spid="5" grpId="0" animBg="1"/>
+      <p:bldP spid="6" grpId="0" animBg="1"/>
+      <p:bldP spid="7" grpId="0" animBg="1"/>
+    </p:bldLst>
   </p:timing>
 </p:sld>
 </file>
@@ -4915,10 +5793,6 @@
               </a:rPr>
               <a:t>小時後為您送回</a:t>
             </a:r>
-            <a:endParaRPr lang="zh-TW" altLang="en-US" sz="2800" b="1" dirty="0">
-              <a:latin typeface="微軟正黑體" panose="020B0604030504040204" pitchFamily="34" charset="-120"/>
-              <a:ea typeface="微軟正黑體" panose="020B0604030504040204" pitchFamily="34" charset="-120"/>
-            </a:endParaRPr>
           </a:p>
         </p:txBody>
       </p:sp>
@@ -6443,7 +7317,375 @@
   <p:timing>
     <p:tnLst>
       <p:par>
-        <p:cTn id="1" dur="indefinite" restart="never" nodeType="tmRoot"/>
+        <p:cTn id="1" dur="indefinite" restart="never" nodeType="tmRoot">
+          <p:childTnLst>
+            <p:seq concurrent="1" nextAc="seek">
+              <p:cTn id="2" dur="indefinite" nodeType="mainSeq">
+                <p:childTnLst>
+                  <p:par>
+                    <p:cTn id="3" fill="hold">
+                      <p:stCondLst>
+                        <p:cond delay="indefinite"/>
+                      </p:stCondLst>
+                      <p:childTnLst>
+                        <p:par>
+                          <p:cTn id="4" fill="hold">
+                            <p:stCondLst>
+                              <p:cond delay="0"/>
+                            </p:stCondLst>
+                            <p:childTnLst>
+                              <p:par>
+                                <p:cTn id="5" presetID="42" presetClass="entr" presetSubtype="0" fill="hold" nodeType="clickEffect">
+                                  <p:stCondLst>
+                                    <p:cond delay="0"/>
+                                  </p:stCondLst>
+                                  <p:childTnLst>
+                                    <p:set>
+                                      <p:cBhvr>
+                                        <p:cTn id="6" dur="1" fill="hold">
+                                          <p:stCondLst>
+                                            <p:cond delay="0"/>
+                                          </p:stCondLst>
+                                        </p:cTn>
+                                        <p:tgtEl>
+                                          <p:spTgt spid="5">
+                                            <p:txEl>
+                                              <p:pRg st="0" end="0"/>
+                                            </p:txEl>
+                                          </p:spTgt>
+                                        </p:tgtEl>
+                                        <p:attrNameLst>
+                                          <p:attrName>style.visibility</p:attrName>
+                                        </p:attrNameLst>
+                                      </p:cBhvr>
+                                      <p:to>
+                                        <p:strVal val="visible"/>
+                                      </p:to>
+                                    </p:set>
+                                    <p:animEffect transition="in" filter="fade">
+                                      <p:cBhvr>
+                                        <p:cTn id="7" dur="1000"/>
+                                        <p:tgtEl>
+                                          <p:spTgt spid="5">
+                                            <p:txEl>
+                                              <p:pRg st="0" end="0"/>
+                                            </p:txEl>
+                                          </p:spTgt>
+                                        </p:tgtEl>
+                                      </p:cBhvr>
+                                    </p:animEffect>
+                                    <p:anim calcmode="lin" valueType="num">
+                                      <p:cBhvr>
+                                        <p:cTn id="8" dur="1000" fill="hold"/>
+                                        <p:tgtEl>
+                                          <p:spTgt spid="5">
+                                            <p:txEl>
+                                              <p:pRg st="0" end="0"/>
+                                            </p:txEl>
+                                          </p:spTgt>
+                                        </p:tgtEl>
+                                        <p:attrNameLst>
+                                          <p:attrName>ppt_x</p:attrName>
+                                        </p:attrNameLst>
+                                      </p:cBhvr>
+                                      <p:tavLst>
+                                        <p:tav tm="0">
+                                          <p:val>
+                                            <p:strVal val="#ppt_x"/>
+                                          </p:val>
+                                        </p:tav>
+                                        <p:tav tm="100000">
+                                          <p:val>
+                                            <p:strVal val="#ppt_x"/>
+                                          </p:val>
+                                        </p:tav>
+                                      </p:tavLst>
+                                    </p:anim>
+                                    <p:anim calcmode="lin" valueType="num">
+                                      <p:cBhvr>
+                                        <p:cTn id="9" dur="1000" fill="hold"/>
+                                        <p:tgtEl>
+                                          <p:spTgt spid="5">
+                                            <p:txEl>
+                                              <p:pRg st="0" end="0"/>
+                                            </p:txEl>
+                                          </p:spTgt>
+                                        </p:tgtEl>
+                                        <p:attrNameLst>
+                                          <p:attrName>ppt_y</p:attrName>
+                                        </p:attrNameLst>
+                                      </p:cBhvr>
+                                      <p:tavLst>
+                                        <p:tav tm="0">
+                                          <p:val>
+                                            <p:strVal val="#ppt_y+.1"/>
+                                          </p:val>
+                                        </p:tav>
+                                        <p:tav tm="100000">
+                                          <p:val>
+                                            <p:strVal val="#ppt_y"/>
+                                          </p:val>
+                                        </p:tav>
+                                      </p:tavLst>
+                                    </p:anim>
+                                  </p:childTnLst>
+                                </p:cTn>
+                              </p:par>
+                            </p:childTnLst>
+                          </p:cTn>
+                        </p:par>
+                      </p:childTnLst>
+                    </p:cTn>
+                  </p:par>
+                  <p:par>
+                    <p:cTn id="10" fill="hold">
+                      <p:stCondLst>
+                        <p:cond delay="indefinite"/>
+                      </p:stCondLst>
+                      <p:childTnLst>
+                        <p:par>
+                          <p:cTn id="11" fill="hold">
+                            <p:stCondLst>
+                              <p:cond delay="0"/>
+                            </p:stCondLst>
+                            <p:childTnLst>
+                              <p:par>
+                                <p:cTn id="12" presetID="42" presetClass="entr" presetSubtype="0" fill="hold" nodeType="clickEffect">
+                                  <p:stCondLst>
+                                    <p:cond delay="0"/>
+                                  </p:stCondLst>
+                                  <p:childTnLst>
+                                    <p:set>
+                                      <p:cBhvr>
+                                        <p:cTn id="13" dur="1" fill="hold">
+                                          <p:stCondLst>
+                                            <p:cond delay="0"/>
+                                          </p:stCondLst>
+                                        </p:cTn>
+                                        <p:tgtEl>
+                                          <p:spTgt spid="5">
+                                            <p:txEl>
+                                              <p:pRg st="2" end="2"/>
+                                            </p:txEl>
+                                          </p:spTgt>
+                                        </p:tgtEl>
+                                        <p:attrNameLst>
+                                          <p:attrName>style.visibility</p:attrName>
+                                        </p:attrNameLst>
+                                      </p:cBhvr>
+                                      <p:to>
+                                        <p:strVal val="visible"/>
+                                      </p:to>
+                                    </p:set>
+                                    <p:animEffect transition="in" filter="fade">
+                                      <p:cBhvr>
+                                        <p:cTn id="14" dur="1000"/>
+                                        <p:tgtEl>
+                                          <p:spTgt spid="5">
+                                            <p:txEl>
+                                              <p:pRg st="2" end="2"/>
+                                            </p:txEl>
+                                          </p:spTgt>
+                                        </p:tgtEl>
+                                      </p:cBhvr>
+                                    </p:animEffect>
+                                    <p:anim calcmode="lin" valueType="num">
+                                      <p:cBhvr>
+                                        <p:cTn id="15" dur="1000" fill="hold"/>
+                                        <p:tgtEl>
+                                          <p:spTgt spid="5">
+                                            <p:txEl>
+                                              <p:pRg st="2" end="2"/>
+                                            </p:txEl>
+                                          </p:spTgt>
+                                        </p:tgtEl>
+                                        <p:attrNameLst>
+                                          <p:attrName>ppt_x</p:attrName>
+                                        </p:attrNameLst>
+                                      </p:cBhvr>
+                                      <p:tavLst>
+                                        <p:tav tm="0">
+                                          <p:val>
+                                            <p:strVal val="#ppt_x"/>
+                                          </p:val>
+                                        </p:tav>
+                                        <p:tav tm="100000">
+                                          <p:val>
+                                            <p:strVal val="#ppt_x"/>
+                                          </p:val>
+                                        </p:tav>
+                                      </p:tavLst>
+                                    </p:anim>
+                                    <p:anim calcmode="lin" valueType="num">
+                                      <p:cBhvr>
+                                        <p:cTn id="16" dur="1000" fill="hold"/>
+                                        <p:tgtEl>
+                                          <p:spTgt spid="5">
+                                            <p:txEl>
+                                              <p:pRg st="2" end="2"/>
+                                            </p:txEl>
+                                          </p:spTgt>
+                                        </p:tgtEl>
+                                        <p:attrNameLst>
+                                          <p:attrName>ppt_y</p:attrName>
+                                        </p:attrNameLst>
+                                      </p:cBhvr>
+                                      <p:tavLst>
+                                        <p:tav tm="0">
+                                          <p:val>
+                                            <p:strVal val="#ppt_y+.1"/>
+                                          </p:val>
+                                        </p:tav>
+                                        <p:tav tm="100000">
+                                          <p:val>
+                                            <p:strVal val="#ppt_y"/>
+                                          </p:val>
+                                        </p:tav>
+                                      </p:tavLst>
+                                    </p:anim>
+                                  </p:childTnLst>
+                                </p:cTn>
+                              </p:par>
+                            </p:childTnLst>
+                          </p:cTn>
+                        </p:par>
+                      </p:childTnLst>
+                    </p:cTn>
+                  </p:par>
+                  <p:par>
+                    <p:cTn id="17" fill="hold">
+                      <p:stCondLst>
+                        <p:cond delay="indefinite"/>
+                      </p:stCondLst>
+                      <p:childTnLst>
+                        <p:par>
+                          <p:cTn id="18" fill="hold">
+                            <p:stCondLst>
+                              <p:cond delay="0"/>
+                            </p:stCondLst>
+                            <p:childTnLst>
+                              <p:par>
+                                <p:cTn id="19" presetID="42" presetClass="entr" presetSubtype="0" fill="hold" nodeType="clickEffect">
+                                  <p:stCondLst>
+                                    <p:cond delay="0"/>
+                                  </p:stCondLst>
+                                  <p:childTnLst>
+                                    <p:set>
+                                      <p:cBhvr>
+                                        <p:cTn id="20" dur="1" fill="hold">
+                                          <p:stCondLst>
+                                            <p:cond delay="0"/>
+                                          </p:stCondLst>
+                                        </p:cTn>
+                                        <p:tgtEl>
+                                          <p:spTgt spid="5">
+                                            <p:txEl>
+                                              <p:pRg st="4" end="4"/>
+                                            </p:txEl>
+                                          </p:spTgt>
+                                        </p:tgtEl>
+                                        <p:attrNameLst>
+                                          <p:attrName>style.visibility</p:attrName>
+                                        </p:attrNameLst>
+                                      </p:cBhvr>
+                                      <p:to>
+                                        <p:strVal val="visible"/>
+                                      </p:to>
+                                    </p:set>
+                                    <p:animEffect transition="in" filter="fade">
+                                      <p:cBhvr>
+                                        <p:cTn id="21" dur="1000"/>
+                                        <p:tgtEl>
+                                          <p:spTgt spid="5">
+                                            <p:txEl>
+                                              <p:pRg st="4" end="4"/>
+                                            </p:txEl>
+                                          </p:spTgt>
+                                        </p:tgtEl>
+                                      </p:cBhvr>
+                                    </p:animEffect>
+                                    <p:anim calcmode="lin" valueType="num">
+                                      <p:cBhvr>
+                                        <p:cTn id="22" dur="1000" fill="hold"/>
+                                        <p:tgtEl>
+                                          <p:spTgt spid="5">
+                                            <p:txEl>
+                                              <p:pRg st="4" end="4"/>
+                                            </p:txEl>
+                                          </p:spTgt>
+                                        </p:tgtEl>
+                                        <p:attrNameLst>
+                                          <p:attrName>ppt_x</p:attrName>
+                                        </p:attrNameLst>
+                                      </p:cBhvr>
+                                      <p:tavLst>
+                                        <p:tav tm="0">
+                                          <p:val>
+                                            <p:strVal val="#ppt_x"/>
+                                          </p:val>
+                                        </p:tav>
+                                        <p:tav tm="100000">
+                                          <p:val>
+                                            <p:strVal val="#ppt_x"/>
+                                          </p:val>
+                                        </p:tav>
+                                      </p:tavLst>
+                                    </p:anim>
+                                    <p:anim calcmode="lin" valueType="num">
+                                      <p:cBhvr>
+                                        <p:cTn id="23" dur="1000" fill="hold"/>
+                                        <p:tgtEl>
+                                          <p:spTgt spid="5">
+                                            <p:txEl>
+                                              <p:pRg st="4" end="4"/>
+                                            </p:txEl>
+                                          </p:spTgt>
+                                        </p:tgtEl>
+                                        <p:attrNameLst>
+                                          <p:attrName>ppt_y</p:attrName>
+                                        </p:attrNameLst>
+                                      </p:cBhvr>
+                                      <p:tavLst>
+                                        <p:tav tm="0">
+                                          <p:val>
+                                            <p:strVal val="#ppt_y+.1"/>
+                                          </p:val>
+                                        </p:tav>
+                                        <p:tav tm="100000">
+                                          <p:val>
+                                            <p:strVal val="#ppt_y"/>
+                                          </p:val>
+                                        </p:tav>
+                                      </p:tavLst>
+                                    </p:anim>
+                                  </p:childTnLst>
+                                </p:cTn>
+                              </p:par>
+                            </p:childTnLst>
+                          </p:cTn>
+                        </p:par>
+                      </p:childTnLst>
+                    </p:cTn>
+                  </p:par>
+                </p:childTnLst>
+              </p:cTn>
+              <p:prevCondLst>
+                <p:cond evt="onPrev" delay="0">
+                  <p:tgtEl>
+                    <p:sldTgt/>
+                  </p:tgtEl>
+                </p:cond>
+              </p:prevCondLst>
+              <p:nextCondLst>
+                <p:cond evt="onNext" delay="0">
+                  <p:tgtEl>
+                    <p:sldTgt/>
+                  </p:tgtEl>
+                </p:cond>
+              </p:nextCondLst>
+            </p:seq>
+          </p:childTnLst>
+        </p:cTn>
       </p:par>
     </p:tnLst>
   </p:timing>
@@ -7964,7 +9206,442 @@
   <p:timing>
     <p:tnLst>
       <p:par>
-        <p:cTn id="1" dur="indefinite" restart="never" nodeType="tmRoot"/>
+        <p:cTn id="1" dur="indefinite" restart="never" nodeType="tmRoot">
+          <p:childTnLst>
+            <p:seq concurrent="1" nextAc="seek">
+              <p:cTn id="2" dur="indefinite" nodeType="mainSeq">
+                <p:childTnLst>
+                  <p:par>
+                    <p:cTn id="3" fill="hold">
+                      <p:stCondLst>
+                        <p:cond delay="indefinite"/>
+                      </p:stCondLst>
+                      <p:childTnLst>
+                        <p:par>
+                          <p:cTn id="4" fill="hold">
+                            <p:stCondLst>
+                              <p:cond delay="0"/>
+                            </p:stCondLst>
+                            <p:childTnLst>
+                              <p:par>
+                                <p:cTn id="5" presetID="2" presetClass="entr" presetSubtype="4" fill="hold" nodeType="clickEffect">
+                                  <p:stCondLst>
+                                    <p:cond delay="0"/>
+                                  </p:stCondLst>
+                                  <p:childTnLst>
+                                    <p:set>
+                                      <p:cBhvr>
+                                        <p:cTn id="6" dur="1" fill="hold">
+                                          <p:stCondLst>
+                                            <p:cond delay="0"/>
+                                          </p:stCondLst>
+                                        </p:cTn>
+                                        <p:tgtEl>
+                                          <p:spTgt spid="5">
+                                            <p:txEl>
+                                              <p:pRg st="0" end="0"/>
+                                            </p:txEl>
+                                          </p:spTgt>
+                                        </p:tgtEl>
+                                        <p:attrNameLst>
+                                          <p:attrName>style.visibility</p:attrName>
+                                        </p:attrNameLst>
+                                      </p:cBhvr>
+                                      <p:to>
+                                        <p:strVal val="visible"/>
+                                      </p:to>
+                                    </p:set>
+                                    <p:anim calcmode="lin" valueType="num">
+                                      <p:cBhvr additive="base">
+                                        <p:cTn id="7" dur="500" fill="hold"/>
+                                        <p:tgtEl>
+                                          <p:spTgt spid="5">
+                                            <p:txEl>
+                                              <p:pRg st="0" end="0"/>
+                                            </p:txEl>
+                                          </p:spTgt>
+                                        </p:tgtEl>
+                                        <p:attrNameLst>
+                                          <p:attrName>ppt_x</p:attrName>
+                                        </p:attrNameLst>
+                                      </p:cBhvr>
+                                      <p:tavLst>
+                                        <p:tav tm="0">
+                                          <p:val>
+                                            <p:strVal val="#ppt_x"/>
+                                          </p:val>
+                                        </p:tav>
+                                        <p:tav tm="100000">
+                                          <p:val>
+                                            <p:strVal val="#ppt_x"/>
+                                          </p:val>
+                                        </p:tav>
+                                      </p:tavLst>
+                                    </p:anim>
+                                    <p:anim calcmode="lin" valueType="num">
+                                      <p:cBhvr additive="base">
+                                        <p:cTn id="8" dur="500" fill="hold"/>
+                                        <p:tgtEl>
+                                          <p:spTgt spid="5">
+                                            <p:txEl>
+                                              <p:pRg st="0" end="0"/>
+                                            </p:txEl>
+                                          </p:spTgt>
+                                        </p:tgtEl>
+                                        <p:attrNameLst>
+                                          <p:attrName>ppt_y</p:attrName>
+                                        </p:attrNameLst>
+                                      </p:cBhvr>
+                                      <p:tavLst>
+                                        <p:tav tm="0">
+                                          <p:val>
+                                            <p:strVal val="1+#ppt_h/2"/>
+                                          </p:val>
+                                        </p:tav>
+                                        <p:tav tm="100000">
+                                          <p:val>
+                                            <p:strVal val="#ppt_y"/>
+                                          </p:val>
+                                        </p:tav>
+                                      </p:tavLst>
+                                    </p:anim>
+                                  </p:childTnLst>
+                                </p:cTn>
+                              </p:par>
+                            </p:childTnLst>
+                          </p:cTn>
+                        </p:par>
+                      </p:childTnLst>
+                    </p:cTn>
+                  </p:par>
+                  <p:par>
+                    <p:cTn id="9" fill="hold">
+                      <p:stCondLst>
+                        <p:cond delay="indefinite"/>
+                      </p:stCondLst>
+                      <p:childTnLst>
+                        <p:par>
+                          <p:cTn id="10" fill="hold">
+                            <p:stCondLst>
+                              <p:cond delay="0"/>
+                            </p:stCondLst>
+                            <p:childTnLst>
+                              <p:par>
+                                <p:cTn id="11" presetID="2" presetClass="entr" presetSubtype="4" fill="hold" nodeType="clickEffect">
+                                  <p:stCondLst>
+                                    <p:cond delay="0"/>
+                                  </p:stCondLst>
+                                  <p:childTnLst>
+                                    <p:set>
+                                      <p:cBhvr>
+                                        <p:cTn id="12" dur="1" fill="hold">
+                                          <p:stCondLst>
+                                            <p:cond delay="0"/>
+                                          </p:stCondLst>
+                                        </p:cTn>
+                                        <p:tgtEl>
+                                          <p:spTgt spid="5">
+                                            <p:txEl>
+                                              <p:pRg st="2" end="2"/>
+                                            </p:txEl>
+                                          </p:spTgt>
+                                        </p:tgtEl>
+                                        <p:attrNameLst>
+                                          <p:attrName>style.visibility</p:attrName>
+                                        </p:attrNameLst>
+                                      </p:cBhvr>
+                                      <p:to>
+                                        <p:strVal val="visible"/>
+                                      </p:to>
+                                    </p:set>
+                                    <p:anim calcmode="lin" valueType="num">
+                                      <p:cBhvr additive="base">
+                                        <p:cTn id="13" dur="500" fill="hold"/>
+                                        <p:tgtEl>
+                                          <p:spTgt spid="5">
+                                            <p:txEl>
+                                              <p:pRg st="2" end="2"/>
+                                            </p:txEl>
+                                          </p:spTgt>
+                                        </p:tgtEl>
+                                        <p:attrNameLst>
+                                          <p:attrName>ppt_x</p:attrName>
+                                        </p:attrNameLst>
+                                      </p:cBhvr>
+                                      <p:tavLst>
+                                        <p:tav tm="0">
+                                          <p:val>
+                                            <p:strVal val="#ppt_x"/>
+                                          </p:val>
+                                        </p:tav>
+                                        <p:tav tm="100000">
+                                          <p:val>
+                                            <p:strVal val="#ppt_x"/>
+                                          </p:val>
+                                        </p:tav>
+                                      </p:tavLst>
+                                    </p:anim>
+                                    <p:anim calcmode="lin" valueType="num">
+                                      <p:cBhvr additive="base">
+                                        <p:cTn id="14" dur="500" fill="hold"/>
+                                        <p:tgtEl>
+                                          <p:spTgt spid="5">
+                                            <p:txEl>
+                                              <p:pRg st="2" end="2"/>
+                                            </p:txEl>
+                                          </p:spTgt>
+                                        </p:tgtEl>
+                                        <p:attrNameLst>
+                                          <p:attrName>ppt_y</p:attrName>
+                                        </p:attrNameLst>
+                                      </p:cBhvr>
+                                      <p:tavLst>
+                                        <p:tav tm="0">
+                                          <p:val>
+                                            <p:strVal val="1+#ppt_h/2"/>
+                                          </p:val>
+                                        </p:tav>
+                                        <p:tav tm="100000">
+                                          <p:val>
+                                            <p:strVal val="#ppt_y"/>
+                                          </p:val>
+                                        </p:tav>
+                                      </p:tavLst>
+                                    </p:anim>
+                                  </p:childTnLst>
+                                </p:cTn>
+                              </p:par>
+                            </p:childTnLst>
+                          </p:cTn>
+                        </p:par>
+                      </p:childTnLst>
+                    </p:cTn>
+                  </p:par>
+                  <p:par>
+                    <p:cTn id="15" fill="hold">
+                      <p:stCondLst>
+                        <p:cond delay="indefinite"/>
+                      </p:stCondLst>
+                      <p:childTnLst>
+                        <p:par>
+                          <p:cTn id="16" fill="hold">
+                            <p:stCondLst>
+                              <p:cond delay="0"/>
+                            </p:stCondLst>
+                            <p:childTnLst>
+                              <p:par>
+                                <p:cTn id="17" presetID="2" presetClass="entr" presetSubtype="4" fill="hold" nodeType="clickEffect">
+                                  <p:stCondLst>
+                                    <p:cond delay="0"/>
+                                  </p:stCondLst>
+                                  <p:childTnLst>
+                                    <p:set>
+                                      <p:cBhvr>
+                                        <p:cTn id="18" dur="1" fill="hold">
+                                          <p:stCondLst>
+                                            <p:cond delay="0"/>
+                                          </p:stCondLst>
+                                        </p:cTn>
+                                        <p:tgtEl>
+                                          <p:spTgt spid="5">
+                                            <p:txEl>
+                                              <p:pRg st="4" end="4"/>
+                                            </p:txEl>
+                                          </p:spTgt>
+                                        </p:tgtEl>
+                                        <p:attrNameLst>
+                                          <p:attrName>style.visibility</p:attrName>
+                                        </p:attrNameLst>
+                                      </p:cBhvr>
+                                      <p:to>
+                                        <p:strVal val="visible"/>
+                                      </p:to>
+                                    </p:set>
+                                    <p:anim calcmode="lin" valueType="num">
+                                      <p:cBhvr additive="base">
+                                        <p:cTn id="19" dur="500" fill="hold"/>
+                                        <p:tgtEl>
+                                          <p:spTgt spid="5">
+                                            <p:txEl>
+                                              <p:pRg st="4" end="4"/>
+                                            </p:txEl>
+                                          </p:spTgt>
+                                        </p:tgtEl>
+                                        <p:attrNameLst>
+                                          <p:attrName>ppt_x</p:attrName>
+                                        </p:attrNameLst>
+                                      </p:cBhvr>
+                                      <p:tavLst>
+                                        <p:tav tm="0">
+                                          <p:val>
+                                            <p:strVal val="#ppt_x"/>
+                                          </p:val>
+                                        </p:tav>
+                                        <p:tav tm="100000">
+                                          <p:val>
+                                            <p:strVal val="#ppt_x"/>
+                                          </p:val>
+                                        </p:tav>
+                                      </p:tavLst>
+                                    </p:anim>
+                                    <p:anim calcmode="lin" valueType="num">
+                                      <p:cBhvr additive="base">
+                                        <p:cTn id="20" dur="500" fill="hold"/>
+                                        <p:tgtEl>
+                                          <p:spTgt spid="5">
+                                            <p:txEl>
+                                              <p:pRg st="4" end="4"/>
+                                            </p:txEl>
+                                          </p:spTgt>
+                                        </p:tgtEl>
+                                        <p:attrNameLst>
+                                          <p:attrName>ppt_y</p:attrName>
+                                        </p:attrNameLst>
+                                      </p:cBhvr>
+                                      <p:tavLst>
+                                        <p:tav tm="0">
+                                          <p:val>
+                                            <p:strVal val="1+#ppt_h/2"/>
+                                          </p:val>
+                                        </p:tav>
+                                        <p:tav tm="100000">
+                                          <p:val>
+                                            <p:strVal val="#ppt_y"/>
+                                          </p:val>
+                                        </p:tav>
+                                      </p:tavLst>
+                                    </p:anim>
+                                  </p:childTnLst>
+                                </p:cTn>
+                              </p:par>
+                            </p:childTnLst>
+                          </p:cTn>
+                        </p:par>
+                      </p:childTnLst>
+                    </p:cTn>
+                  </p:par>
+                  <p:par>
+                    <p:cTn id="21" fill="hold">
+                      <p:stCondLst>
+                        <p:cond delay="indefinite"/>
+                      </p:stCondLst>
+                      <p:childTnLst>
+                        <p:par>
+                          <p:cTn id="22" fill="hold">
+                            <p:stCondLst>
+                              <p:cond delay="0"/>
+                            </p:stCondLst>
+                            <p:childTnLst>
+                              <p:par>
+                                <p:cTn id="23" presetID="2" presetClass="entr" presetSubtype="4" fill="hold" nodeType="clickEffect">
+                                  <p:stCondLst>
+                                    <p:cond delay="0"/>
+                                  </p:stCondLst>
+                                  <p:childTnLst>
+                                    <p:set>
+                                      <p:cBhvr>
+                                        <p:cTn id="24" dur="1" fill="hold">
+                                          <p:stCondLst>
+                                            <p:cond delay="0"/>
+                                          </p:stCondLst>
+                                        </p:cTn>
+                                        <p:tgtEl>
+                                          <p:spTgt spid="5">
+                                            <p:txEl>
+                                              <p:pRg st="6" end="6"/>
+                                            </p:txEl>
+                                          </p:spTgt>
+                                        </p:tgtEl>
+                                        <p:attrNameLst>
+                                          <p:attrName>style.visibility</p:attrName>
+                                        </p:attrNameLst>
+                                      </p:cBhvr>
+                                      <p:to>
+                                        <p:strVal val="visible"/>
+                                      </p:to>
+                                    </p:set>
+                                    <p:anim calcmode="lin" valueType="num">
+                                      <p:cBhvr additive="base">
+                                        <p:cTn id="25" dur="500" fill="hold"/>
+                                        <p:tgtEl>
+                                          <p:spTgt spid="5">
+                                            <p:txEl>
+                                              <p:pRg st="6" end="6"/>
+                                            </p:txEl>
+                                          </p:spTgt>
+                                        </p:tgtEl>
+                                        <p:attrNameLst>
+                                          <p:attrName>ppt_x</p:attrName>
+                                        </p:attrNameLst>
+                                      </p:cBhvr>
+                                      <p:tavLst>
+                                        <p:tav tm="0">
+                                          <p:val>
+                                            <p:strVal val="#ppt_x"/>
+                                          </p:val>
+                                        </p:tav>
+                                        <p:tav tm="100000">
+                                          <p:val>
+                                            <p:strVal val="#ppt_x"/>
+                                          </p:val>
+                                        </p:tav>
+                                      </p:tavLst>
+                                    </p:anim>
+                                    <p:anim calcmode="lin" valueType="num">
+                                      <p:cBhvr additive="base">
+                                        <p:cTn id="26" dur="500" fill="hold"/>
+                                        <p:tgtEl>
+                                          <p:spTgt spid="5">
+                                            <p:txEl>
+                                              <p:pRg st="6" end="6"/>
+                                            </p:txEl>
+                                          </p:spTgt>
+                                        </p:tgtEl>
+                                        <p:attrNameLst>
+                                          <p:attrName>ppt_y</p:attrName>
+                                        </p:attrNameLst>
+                                      </p:cBhvr>
+                                      <p:tavLst>
+                                        <p:tav tm="0">
+                                          <p:val>
+                                            <p:strVal val="1+#ppt_h/2"/>
+                                          </p:val>
+                                        </p:tav>
+                                        <p:tav tm="100000">
+                                          <p:val>
+                                            <p:strVal val="#ppt_y"/>
+                                          </p:val>
+                                        </p:tav>
+                                      </p:tavLst>
+                                    </p:anim>
+                                  </p:childTnLst>
+                                </p:cTn>
+                              </p:par>
+                            </p:childTnLst>
+                          </p:cTn>
+                        </p:par>
+                      </p:childTnLst>
+                    </p:cTn>
+                  </p:par>
+                </p:childTnLst>
+              </p:cTn>
+              <p:prevCondLst>
+                <p:cond evt="onPrev" delay="0">
+                  <p:tgtEl>
+                    <p:sldTgt/>
+                  </p:tgtEl>
+                </p:cond>
+              </p:prevCondLst>
+              <p:nextCondLst>
+                <p:cond evt="onNext" delay="0">
+                  <p:tgtEl>
+                    <p:sldTgt/>
+                  </p:tgtEl>
+                </p:cond>
+              </p:nextCondLst>
+            </p:seq>
+          </p:childTnLst>
+        </p:cTn>
       </p:par>
     </p:tnLst>
   </p:timing>
@@ -8504,7 +10181,189 @@
   <p:timing>
     <p:tnLst>
       <p:par>
-        <p:cTn id="1" dur="indefinite" restart="never" nodeType="tmRoot"/>
+        <p:cTn id="1" dur="indefinite" restart="never" nodeType="tmRoot">
+          <p:childTnLst>
+            <p:seq concurrent="1" nextAc="seek">
+              <p:cTn id="2" dur="indefinite" nodeType="mainSeq">
+                <p:childTnLst>
+                  <p:par>
+                    <p:cTn id="3" fill="hold">
+                      <p:stCondLst>
+                        <p:cond delay="indefinite"/>
+                      </p:stCondLst>
+                      <p:childTnLst>
+                        <p:par>
+                          <p:cTn id="4" fill="hold">
+                            <p:stCondLst>
+                              <p:cond delay="0"/>
+                            </p:stCondLst>
+                            <p:childTnLst>
+                              <p:par>
+                                <p:cTn id="5" presetID="10" presetClass="entr" presetSubtype="0" fill="hold" nodeType="clickEffect">
+                                  <p:stCondLst>
+                                    <p:cond delay="0"/>
+                                  </p:stCondLst>
+                                  <p:childTnLst>
+                                    <p:set>
+                                      <p:cBhvr>
+                                        <p:cTn id="6" dur="1" fill="hold">
+                                          <p:stCondLst>
+                                            <p:cond delay="0"/>
+                                          </p:stCondLst>
+                                        </p:cTn>
+                                        <p:tgtEl>
+                                          <p:spTgt spid="8"/>
+                                        </p:tgtEl>
+                                        <p:attrNameLst>
+                                          <p:attrName>style.visibility</p:attrName>
+                                        </p:attrNameLst>
+                                      </p:cBhvr>
+                                      <p:to>
+                                        <p:strVal val="visible"/>
+                                      </p:to>
+                                    </p:set>
+                                    <p:animEffect transition="in" filter="fade">
+                                      <p:cBhvr>
+                                        <p:cTn id="7" dur="500"/>
+                                        <p:tgtEl>
+                                          <p:spTgt spid="8"/>
+                                        </p:tgtEl>
+                                      </p:cBhvr>
+                                    </p:animEffect>
+                                  </p:childTnLst>
+                                </p:cTn>
+                              </p:par>
+                            </p:childTnLst>
+                          </p:cTn>
+                        </p:par>
+                      </p:childTnLst>
+                    </p:cTn>
+                  </p:par>
+                  <p:par>
+                    <p:cTn id="8" fill="hold">
+                      <p:stCondLst>
+                        <p:cond delay="indefinite"/>
+                      </p:stCondLst>
+                      <p:childTnLst>
+                        <p:par>
+                          <p:cTn id="9" fill="hold">
+                            <p:stCondLst>
+                              <p:cond delay="0"/>
+                            </p:stCondLst>
+                            <p:childTnLst>
+                              <p:par>
+                                <p:cTn id="10" presetID="10" presetClass="entr" presetSubtype="0" fill="hold" nodeType="clickEffect">
+                                  <p:stCondLst>
+                                    <p:cond delay="0"/>
+                                  </p:stCondLst>
+                                  <p:childTnLst>
+                                    <p:set>
+                                      <p:cBhvr>
+                                        <p:cTn id="11" dur="1" fill="hold">
+                                          <p:stCondLst>
+                                            <p:cond delay="0"/>
+                                          </p:stCondLst>
+                                        </p:cTn>
+                                        <p:tgtEl>
+                                          <p:spTgt spid="9"/>
+                                        </p:tgtEl>
+                                        <p:attrNameLst>
+                                          <p:attrName>style.visibility</p:attrName>
+                                        </p:attrNameLst>
+                                      </p:cBhvr>
+                                      <p:to>
+                                        <p:strVal val="visible"/>
+                                      </p:to>
+                                    </p:set>
+                                    <p:animEffect transition="in" filter="fade">
+                                      <p:cBhvr>
+                                        <p:cTn id="12" dur="500"/>
+                                        <p:tgtEl>
+                                          <p:spTgt spid="9"/>
+                                        </p:tgtEl>
+                                      </p:cBhvr>
+                                    </p:animEffect>
+                                  </p:childTnLst>
+                                </p:cTn>
+                              </p:par>
+                            </p:childTnLst>
+                          </p:cTn>
+                        </p:par>
+                      </p:childTnLst>
+                    </p:cTn>
+                  </p:par>
+                  <p:par>
+                    <p:cTn id="13" fill="hold">
+                      <p:stCondLst>
+                        <p:cond delay="indefinite"/>
+                      </p:stCondLst>
+                      <p:childTnLst>
+                        <p:par>
+                          <p:cTn id="14" fill="hold">
+                            <p:stCondLst>
+                              <p:cond delay="0"/>
+                            </p:stCondLst>
+                            <p:childTnLst>
+                              <p:par>
+                                <p:cTn id="15" presetID="10" presetClass="entr" presetSubtype="0" fill="hold" nodeType="clickEffect">
+                                  <p:stCondLst>
+                                    <p:cond delay="0"/>
+                                  </p:stCondLst>
+                                  <p:childTnLst>
+                                    <p:set>
+                                      <p:cBhvr>
+                                        <p:cTn id="16" dur="1" fill="hold">
+                                          <p:stCondLst>
+                                            <p:cond delay="0"/>
+                                          </p:stCondLst>
+                                        </p:cTn>
+                                        <p:tgtEl>
+                                          <p:spTgt spid="3"/>
+                                        </p:tgtEl>
+                                        <p:attrNameLst>
+                                          <p:attrName>style.visibility</p:attrName>
+                                        </p:attrNameLst>
+                                      </p:cBhvr>
+                                      <p:to>
+                                        <p:strVal val="visible"/>
+                                      </p:to>
+                                    </p:set>
+                                    <p:animEffect transition="in" filter="fade">
+                                      <p:cBhvr>
+                                        <p:cTn id="17" dur="500"/>
+                                        <p:tgtEl>
+                                          <p:spTgt spid="3"/>
+                                        </p:tgtEl>
+                                      </p:cBhvr>
+                                    </p:animEffect>
+                                  </p:childTnLst>
+                                </p:cTn>
+                              </p:par>
+                            </p:childTnLst>
+                          </p:cTn>
+                        </p:par>
+                      </p:childTnLst>
+                    </p:cTn>
+                  </p:par>
+                </p:childTnLst>
+              </p:cTn>
+              <p:prevCondLst>
+                <p:cond evt="onPrev" delay="0">
+                  <p:tgtEl>
+                    <p:sldTgt/>
+                  </p:tgtEl>
+                </p:cond>
+              </p:prevCondLst>
+              <p:nextCondLst>
+                <p:cond evt="onNext" delay="0">
+                  <p:tgtEl>
+                    <p:sldTgt/>
+                  </p:tgtEl>
+                </p:cond>
+              </p:nextCondLst>
+            </p:seq>
+          </p:childTnLst>
+        </p:cTn>
       </p:par>
     </p:tnLst>
   </p:timing>
@@ -9081,9 +10940,862 @@
   <p:timing>
     <p:tnLst>
       <p:par>
-        <p:cTn id="1" dur="indefinite" restart="never" nodeType="tmRoot"/>
+        <p:cTn id="1" dur="indefinite" restart="never" nodeType="tmRoot">
+          <p:childTnLst>
+            <p:seq concurrent="1" nextAc="seek">
+              <p:cTn id="2" dur="indefinite" nodeType="mainSeq">
+                <p:childTnLst>
+                  <p:par>
+                    <p:cTn id="3" fill="hold">
+                      <p:stCondLst>
+                        <p:cond delay="indefinite"/>
+                      </p:stCondLst>
+                      <p:childTnLst>
+                        <p:par>
+                          <p:cTn id="4" fill="hold">
+                            <p:stCondLst>
+                              <p:cond delay="0"/>
+                            </p:stCondLst>
+                            <p:childTnLst>
+                              <p:par>
+                                <p:cTn id="5" presetID="2" presetClass="entr" presetSubtype="4" fill="hold" grpId="0" nodeType="clickEffect">
+                                  <p:stCondLst>
+                                    <p:cond delay="0"/>
+                                  </p:stCondLst>
+                                  <p:childTnLst>
+                                    <p:set>
+                                      <p:cBhvr>
+                                        <p:cTn id="6" dur="1" fill="hold">
+                                          <p:stCondLst>
+                                            <p:cond delay="0"/>
+                                          </p:stCondLst>
+                                        </p:cTn>
+                                        <p:tgtEl>
+                                          <p:spTgt spid="5"/>
+                                        </p:tgtEl>
+                                        <p:attrNameLst>
+                                          <p:attrName>style.visibility</p:attrName>
+                                        </p:attrNameLst>
+                                      </p:cBhvr>
+                                      <p:to>
+                                        <p:strVal val="visible"/>
+                                      </p:to>
+                                    </p:set>
+                                    <p:anim calcmode="lin" valueType="num">
+                                      <p:cBhvr additive="base">
+                                        <p:cTn id="7" dur="500" fill="hold"/>
+                                        <p:tgtEl>
+                                          <p:spTgt spid="5"/>
+                                        </p:tgtEl>
+                                        <p:attrNameLst>
+                                          <p:attrName>ppt_x</p:attrName>
+                                        </p:attrNameLst>
+                                      </p:cBhvr>
+                                      <p:tavLst>
+                                        <p:tav tm="0">
+                                          <p:val>
+                                            <p:strVal val="#ppt_x"/>
+                                          </p:val>
+                                        </p:tav>
+                                        <p:tav tm="100000">
+                                          <p:val>
+                                            <p:strVal val="#ppt_x"/>
+                                          </p:val>
+                                        </p:tav>
+                                      </p:tavLst>
+                                    </p:anim>
+                                    <p:anim calcmode="lin" valueType="num">
+                                      <p:cBhvr additive="base">
+                                        <p:cTn id="8" dur="500" fill="hold"/>
+                                        <p:tgtEl>
+                                          <p:spTgt spid="5"/>
+                                        </p:tgtEl>
+                                        <p:attrNameLst>
+                                          <p:attrName>ppt_y</p:attrName>
+                                        </p:attrNameLst>
+                                      </p:cBhvr>
+                                      <p:tavLst>
+                                        <p:tav tm="0">
+                                          <p:val>
+                                            <p:strVal val="1+#ppt_h/2"/>
+                                          </p:val>
+                                        </p:tav>
+                                        <p:tav tm="100000">
+                                          <p:val>
+                                            <p:strVal val="#ppt_y"/>
+                                          </p:val>
+                                        </p:tav>
+                                      </p:tavLst>
+                                    </p:anim>
+                                  </p:childTnLst>
+                                </p:cTn>
+                              </p:par>
+                            </p:childTnLst>
+                          </p:cTn>
+                        </p:par>
+                      </p:childTnLst>
+                    </p:cTn>
+                  </p:par>
+                  <p:par>
+                    <p:cTn id="9" fill="hold">
+                      <p:stCondLst>
+                        <p:cond delay="indefinite"/>
+                      </p:stCondLst>
+                      <p:childTnLst>
+                        <p:par>
+                          <p:cTn id="10" fill="hold">
+                            <p:stCondLst>
+                              <p:cond delay="0"/>
+                            </p:stCondLst>
+                            <p:childTnLst>
+                              <p:par>
+                                <p:cTn id="11" presetID="2" presetClass="entr" presetSubtype="4" fill="hold" grpId="0" nodeType="clickEffect">
+                                  <p:stCondLst>
+                                    <p:cond delay="0"/>
+                                  </p:stCondLst>
+                                  <p:childTnLst>
+                                    <p:set>
+                                      <p:cBhvr>
+                                        <p:cTn id="12" dur="1" fill="hold">
+                                          <p:stCondLst>
+                                            <p:cond delay="0"/>
+                                          </p:stCondLst>
+                                        </p:cTn>
+                                        <p:tgtEl>
+                                          <p:spTgt spid="14"/>
+                                        </p:tgtEl>
+                                        <p:attrNameLst>
+                                          <p:attrName>style.visibility</p:attrName>
+                                        </p:attrNameLst>
+                                      </p:cBhvr>
+                                      <p:to>
+                                        <p:strVal val="visible"/>
+                                      </p:to>
+                                    </p:set>
+                                    <p:anim calcmode="lin" valueType="num">
+                                      <p:cBhvr additive="base">
+                                        <p:cTn id="13" dur="500" fill="hold"/>
+                                        <p:tgtEl>
+                                          <p:spTgt spid="14"/>
+                                        </p:tgtEl>
+                                        <p:attrNameLst>
+                                          <p:attrName>ppt_x</p:attrName>
+                                        </p:attrNameLst>
+                                      </p:cBhvr>
+                                      <p:tavLst>
+                                        <p:tav tm="0">
+                                          <p:val>
+                                            <p:strVal val="#ppt_x"/>
+                                          </p:val>
+                                        </p:tav>
+                                        <p:tav tm="100000">
+                                          <p:val>
+                                            <p:strVal val="#ppt_x"/>
+                                          </p:val>
+                                        </p:tav>
+                                      </p:tavLst>
+                                    </p:anim>
+                                    <p:anim calcmode="lin" valueType="num">
+                                      <p:cBhvr additive="base">
+                                        <p:cTn id="14" dur="500" fill="hold"/>
+                                        <p:tgtEl>
+                                          <p:spTgt spid="14"/>
+                                        </p:tgtEl>
+                                        <p:attrNameLst>
+                                          <p:attrName>ppt_y</p:attrName>
+                                        </p:attrNameLst>
+                                      </p:cBhvr>
+                                      <p:tavLst>
+                                        <p:tav tm="0">
+                                          <p:val>
+                                            <p:strVal val="1+#ppt_h/2"/>
+                                          </p:val>
+                                        </p:tav>
+                                        <p:tav tm="100000">
+                                          <p:val>
+                                            <p:strVal val="#ppt_y"/>
+                                          </p:val>
+                                        </p:tav>
+                                      </p:tavLst>
+                                    </p:anim>
+                                  </p:childTnLst>
+                                </p:cTn>
+                              </p:par>
+                            </p:childTnLst>
+                          </p:cTn>
+                        </p:par>
+                      </p:childTnLst>
+                    </p:cTn>
+                  </p:par>
+                  <p:par>
+                    <p:cTn id="15" fill="hold">
+                      <p:stCondLst>
+                        <p:cond delay="indefinite"/>
+                      </p:stCondLst>
+                      <p:childTnLst>
+                        <p:par>
+                          <p:cTn id="16" fill="hold">
+                            <p:stCondLst>
+                              <p:cond delay="0"/>
+                            </p:stCondLst>
+                            <p:childTnLst>
+                              <p:par>
+                                <p:cTn id="17" presetID="2" presetClass="entr" presetSubtype="4" fill="hold" grpId="0" nodeType="clickEffect">
+                                  <p:stCondLst>
+                                    <p:cond delay="0"/>
+                                  </p:stCondLst>
+                                  <p:childTnLst>
+                                    <p:set>
+                                      <p:cBhvr>
+                                        <p:cTn id="18" dur="1" fill="hold">
+                                          <p:stCondLst>
+                                            <p:cond delay="0"/>
+                                          </p:stCondLst>
+                                        </p:cTn>
+                                        <p:tgtEl>
+                                          <p:spTgt spid="10"/>
+                                        </p:tgtEl>
+                                        <p:attrNameLst>
+                                          <p:attrName>style.visibility</p:attrName>
+                                        </p:attrNameLst>
+                                      </p:cBhvr>
+                                      <p:to>
+                                        <p:strVal val="visible"/>
+                                      </p:to>
+                                    </p:set>
+                                    <p:anim calcmode="lin" valueType="num">
+                                      <p:cBhvr additive="base">
+                                        <p:cTn id="19" dur="500" fill="hold"/>
+                                        <p:tgtEl>
+                                          <p:spTgt spid="10"/>
+                                        </p:tgtEl>
+                                        <p:attrNameLst>
+                                          <p:attrName>ppt_x</p:attrName>
+                                        </p:attrNameLst>
+                                      </p:cBhvr>
+                                      <p:tavLst>
+                                        <p:tav tm="0">
+                                          <p:val>
+                                            <p:strVal val="#ppt_x"/>
+                                          </p:val>
+                                        </p:tav>
+                                        <p:tav tm="100000">
+                                          <p:val>
+                                            <p:strVal val="#ppt_x"/>
+                                          </p:val>
+                                        </p:tav>
+                                      </p:tavLst>
+                                    </p:anim>
+                                    <p:anim calcmode="lin" valueType="num">
+                                      <p:cBhvr additive="base">
+                                        <p:cTn id="20" dur="500" fill="hold"/>
+                                        <p:tgtEl>
+                                          <p:spTgt spid="10"/>
+                                        </p:tgtEl>
+                                        <p:attrNameLst>
+                                          <p:attrName>ppt_y</p:attrName>
+                                        </p:attrNameLst>
+                                      </p:cBhvr>
+                                      <p:tavLst>
+                                        <p:tav tm="0">
+                                          <p:val>
+                                            <p:strVal val="1+#ppt_h/2"/>
+                                          </p:val>
+                                        </p:tav>
+                                        <p:tav tm="100000">
+                                          <p:val>
+                                            <p:strVal val="#ppt_y"/>
+                                          </p:val>
+                                        </p:tav>
+                                      </p:tavLst>
+                                    </p:anim>
+                                  </p:childTnLst>
+                                </p:cTn>
+                              </p:par>
+                            </p:childTnLst>
+                          </p:cTn>
+                        </p:par>
+                      </p:childTnLst>
+                    </p:cTn>
+                  </p:par>
+                  <p:par>
+                    <p:cTn id="21" fill="hold">
+                      <p:stCondLst>
+                        <p:cond delay="indefinite"/>
+                      </p:stCondLst>
+                      <p:childTnLst>
+                        <p:par>
+                          <p:cTn id="22" fill="hold">
+                            <p:stCondLst>
+                              <p:cond delay="0"/>
+                            </p:stCondLst>
+                            <p:childTnLst>
+                              <p:par>
+                                <p:cTn id="23" presetID="2" presetClass="entr" presetSubtype="4" fill="hold" grpId="0" nodeType="clickEffect">
+                                  <p:stCondLst>
+                                    <p:cond delay="0"/>
+                                  </p:stCondLst>
+                                  <p:childTnLst>
+                                    <p:set>
+                                      <p:cBhvr>
+                                        <p:cTn id="24" dur="1" fill="hold">
+                                          <p:stCondLst>
+                                            <p:cond delay="0"/>
+                                          </p:stCondLst>
+                                        </p:cTn>
+                                        <p:tgtEl>
+                                          <p:spTgt spid="6"/>
+                                        </p:tgtEl>
+                                        <p:attrNameLst>
+                                          <p:attrName>style.visibility</p:attrName>
+                                        </p:attrNameLst>
+                                      </p:cBhvr>
+                                      <p:to>
+                                        <p:strVal val="visible"/>
+                                      </p:to>
+                                    </p:set>
+                                    <p:anim calcmode="lin" valueType="num">
+                                      <p:cBhvr additive="base">
+                                        <p:cTn id="25" dur="500" fill="hold"/>
+                                        <p:tgtEl>
+                                          <p:spTgt spid="6"/>
+                                        </p:tgtEl>
+                                        <p:attrNameLst>
+                                          <p:attrName>ppt_x</p:attrName>
+                                        </p:attrNameLst>
+                                      </p:cBhvr>
+                                      <p:tavLst>
+                                        <p:tav tm="0">
+                                          <p:val>
+                                            <p:strVal val="#ppt_x"/>
+                                          </p:val>
+                                        </p:tav>
+                                        <p:tav tm="100000">
+                                          <p:val>
+                                            <p:strVal val="#ppt_x"/>
+                                          </p:val>
+                                        </p:tav>
+                                      </p:tavLst>
+                                    </p:anim>
+                                    <p:anim calcmode="lin" valueType="num">
+                                      <p:cBhvr additive="base">
+                                        <p:cTn id="26" dur="500" fill="hold"/>
+                                        <p:tgtEl>
+                                          <p:spTgt spid="6"/>
+                                        </p:tgtEl>
+                                        <p:attrNameLst>
+                                          <p:attrName>ppt_y</p:attrName>
+                                        </p:attrNameLst>
+                                      </p:cBhvr>
+                                      <p:tavLst>
+                                        <p:tav tm="0">
+                                          <p:val>
+                                            <p:strVal val="1+#ppt_h/2"/>
+                                          </p:val>
+                                        </p:tav>
+                                        <p:tav tm="100000">
+                                          <p:val>
+                                            <p:strVal val="#ppt_y"/>
+                                          </p:val>
+                                        </p:tav>
+                                      </p:tavLst>
+                                    </p:anim>
+                                  </p:childTnLst>
+                                </p:cTn>
+                              </p:par>
+                            </p:childTnLst>
+                          </p:cTn>
+                        </p:par>
+                      </p:childTnLst>
+                    </p:cTn>
+                  </p:par>
+                  <p:par>
+                    <p:cTn id="27" fill="hold">
+                      <p:stCondLst>
+                        <p:cond delay="indefinite"/>
+                      </p:stCondLst>
+                      <p:childTnLst>
+                        <p:par>
+                          <p:cTn id="28" fill="hold">
+                            <p:stCondLst>
+                              <p:cond delay="0"/>
+                            </p:stCondLst>
+                            <p:childTnLst>
+                              <p:par>
+                                <p:cTn id="29" presetID="2" presetClass="entr" presetSubtype="4" fill="hold" grpId="0" nodeType="clickEffect">
+                                  <p:stCondLst>
+                                    <p:cond delay="0"/>
+                                  </p:stCondLst>
+                                  <p:childTnLst>
+                                    <p:set>
+                                      <p:cBhvr>
+                                        <p:cTn id="30" dur="1" fill="hold">
+                                          <p:stCondLst>
+                                            <p:cond delay="0"/>
+                                          </p:stCondLst>
+                                        </p:cTn>
+                                        <p:tgtEl>
+                                          <p:spTgt spid="9"/>
+                                        </p:tgtEl>
+                                        <p:attrNameLst>
+                                          <p:attrName>style.visibility</p:attrName>
+                                        </p:attrNameLst>
+                                      </p:cBhvr>
+                                      <p:to>
+                                        <p:strVal val="visible"/>
+                                      </p:to>
+                                    </p:set>
+                                    <p:anim calcmode="lin" valueType="num">
+                                      <p:cBhvr additive="base">
+                                        <p:cTn id="31" dur="500" fill="hold"/>
+                                        <p:tgtEl>
+                                          <p:spTgt spid="9"/>
+                                        </p:tgtEl>
+                                        <p:attrNameLst>
+                                          <p:attrName>ppt_x</p:attrName>
+                                        </p:attrNameLst>
+                                      </p:cBhvr>
+                                      <p:tavLst>
+                                        <p:tav tm="0">
+                                          <p:val>
+                                            <p:strVal val="#ppt_x"/>
+                                          </p:val>
+                                        </p:tav>
+                                        <p:tav tm="100000">
+                                          <p:val>
+                                            <p:strVal val="#ppt_x"/>
+                                          </p:val>
+                                        </p:tav>
+                                      </p:tavLst>
+                                    </p:anim>
+                                    <p:anim calcmode="lin" valueType="num">
+                                      <p:cBhvr additive="base">
+                                        <p:cTn id="32" dur="500" fill="hold"/>
+                                        <p:tgtEl>
+                                          <p:spTgt spid="9"/>
+                                        </p:tgtEl>
+                                        <p:attrNameLst>
+                                          <p:attrName>ppt_y</p:attrName>
+                                        </p:attrNameLst>
+                                      </p:cBhvr>
+                                      <p:tavLst>
+                                        <p:tav tm="0">
+                                          <p:val>
+                                            <p:strVal val="1+#ppt_h/2"/>
+                                          </p:val>
+                                        </p:tav>
+                                        <p:tav tm="100000">
+                                          <p:val>
+                                            <p:strVal val="#ppt_y"/>
+                                          </p:val>
+                                        </p:tav>
+                                      </p:tavLst>
+                                    </p:anim>
+                                  </p:childTnLst>
+                                </p:cTn>
+                              </p:par>
+                            </p:childTnLst>
+                          </p:cTn>
+                        </p:par>
+                      </p:childTnLst>
+                    </p:cTn>
+                  </p:par>
+                  <p:par>
+                    <p:cTn id="33" fill="hold">
+                      <p:stCondLst>
+                        <p:cond delay="indefinite"/>
+                      </p:stCondLst>
+                      <p:childTnLst>
+                        <p:par>
+                          <p:cTn id="34" fill="hold">
+                            <p:stCondLst>
+                              <p:cond delay="0"/>
+                            </p:stCondLst>
+                            <p:childTnLst>
+                              <p:par>
+                                <p:cTn id="35" presetID="2" presetClass="entr" presetSubtype="4" fill="hold" grpId="0" nodeType="clickEffect">
+                                  <p:stCondLst>
+                                    <p:cond delay="0"/>
+                                  </p:stCondLst>
+                                  <p:childTnLst>
+                                    <p:set>
+                                      <p:cBhvr>
+                                        <p:cTn id="36" dur="1" fill="hold">
+                                          <p:stCondLst>
+                                            <p:cond delay="0"/>
+                                          </p:stCondLst>
+                                        </p:cTn>
+                                        <p:tgtEl>
+                                          <p:spTgt spid="11"/>
+                                        </p:tgtEl>
+                                        <p:attrNameLst>
+                                          <p:attrName>style.visibility</p:attrName>
+                                        </p:attrNameLst>
+                                      </p:cBhvr>
+                                      <p:to>
+                                        <p:strVal val="visible"/>
+                                      </p:to>
+                                    </p:set>
+                                    <p:anim calcmode="lin" valueType="num">
+                                      <p:cBhvr additive="base">
+                                        <p:cTn id="37" dur="500" fill="hold"/>
+                                        <p:tgtEl>
+                                          <p:spTgt spid="11"/>
+                                        </p:tgtEl>
+                                        <p:attrNameLst>
+                                          <p:attrName>ppt_x</p:attrName>
+                                        </p:attrNameLst>
+                                      </p:cBhvr>
+                                      <p:tavLst>
+                                        <p:tav tm="0">
+                                          <p:val>
+                                            <p:strVal val="#ppt_x"/>
+                                          </p:val>
+                                        </p:tav>
+                                        <p:tav tm="100000">
+                                          <p:val>
+                                            <p:strVal val="#ppt_x"/>
+                                          </p:val>
+                                        </p:tav>
+                                      </p:tavLst>
+                                    </p:anim>
+                                    <p:anim calcmode="lin" valueType="num">
+                                      <p:cBhvr additive="base">
+                                        <p:cTn id="38" dur="500" fill="hold"/>
+                                        <p:tgtEl>
+                                          <p:spTgt spid="11"/>
+                                        </p:tgtEl>
+                                        <p:attrNameLst>
+                                          <p:attrName>ppt_y</p:attrName>
+                                        </p:attrNameLst>
+                                      </p:cBhvr>
+                                      <p:tavLst>
+                                        <p:tav tm="0">
+                                          <p:val>
+                                            <p:strVal val="1+#ppt_h/2"/>
+                                          </p:val>
+                                        </p:tav>
+                                        <p:tav tm="100000">
+                                          <p:val>
+                                            <p:strVal val="#ppt_y"/>
+                                          </p:val>
+                                        </p:tav>
+                                      </p:tavLst>
+                                    </p:anim>
+                                  </p:childTnLst>
+                                </p:cTn>
+                              </p:par>
+                            </p:childTnLst>
+                          </p:cTn>
+                        </p:par>
+                      </p:childTnLst>
+                    </p:cTn>
+                  </p:par>
+                  <p:par>
+                    <p:cTn id="39" fill="hold">
+                      <p:stCondLst>
+                        <p:cond delay="indefinite"/>
+                      </p:stCondLst>
+                      <p:childTnLst>
+                        <p:par>
+                          <p:cTn id="40" fill="hold">
+                            <p:stCondLst>
+                              <p:cond delay="0"/>
+                            </p:stCondLst>
+                            <p:childTnLst>
+                              <p:par>
+                                <p:cTn id="41" presetID="2" presetClass="entr" presetSubtype="4" fill="hold" grpId="0" nodeType="clickEffect">
+                                  <p:stCondLst>
+                                    <p:cond delay="0"/>
+                                  </p:stCondLst>
+                                  <p:childTnLst>
+                                    <p:set>
+                                      <p:cBhvr>
+                                        <p:cTn id="42" dur="1" fill="hold">
+                                          <p:stCondLst>
+                                            <p:cond delay="0"/>
+                                          </p:stCondLst>
+                                        </p:cTn>
+                                        <p:tgtEl>
+                                          <p:spTgt spid="7"/>
+                                        </p:tgtEl>
+                                        <p:attrNameLst>
+                                          <p:attrName>style.visibility</p:attrName>
+                                        </p:attrNameLst>
+                                      </p:cBhvr>
+                                      <p:to>
+                                        <p:strVal val="visible"/>
+                                      </p:to>
+                                    </p:set>
+                                    <p:anim calcmode="lin" valueType="num">
+                                      <p:cBhvr additive="base">
+                                        <p:cTn id="43" dur="500" fill="hold"/>
+                                        <p:tgtEl>
+                                          <p:spTgt spid="7"/>
+                                        </p:tgtEl>
+                                        <p:attrNameLst>
+                                          <p:attrName>ppt_x</p:attrName>
+                                        </p:attrNameLst>
+                                      </p:cBhvr>
+                                      <p:tavLst>
+                                        <p:tav tm="0">
+                                          <p:val>
+                                            <p:strVal val="#ppt_x"/>
+                                          </p:val>
+                                        </p:tav>
+                                        <p:tav tm="100000">
+                                          <p:val>
+                                            <p:strVal val="#ppt_x"/>
+                                          </p:val>
+                                        </p:tav>
+                                      </p:tavLst>
+                                    </p:anim>
+                                    <p:anim calcmode="lin" valueType="num">
+                                      <p:cBhvr additive="base">
+                                        <p:cTn id="44" dur="500" fill="hold"/>
+                                        <p:tgtEl>
+                                          <p:spTgt spid="7"/>
+                                        </p:tgtEl>
+                                        <p:attrNameLst>
+                                          <p:attrName>ppt_y</p:attrName>
+                                        </p:attrNameLst>
+                                      </p:cBhvr>
+                                      <p:tavLst>
+                                        <p:tav tm="0">
+                                          <p:val>
+                                            <p:strVal val="1+#ppt_h/2"/>
+                                          </p:val>
+                                        </p:tav>
+                                        <p:tav tm="100000">
+                                          <p:val>
+                                            <p:strVal val="#ppt_y"/>
+                                          </p:val>
+                                        </p:tav>
+                                      </p:tavLst>
+                                    </p:anim>
+                                  </p:childTnLst>
+                                </p:cTn>
+                              </p:par>
+                            </p:childTnLst>
+                          </p:cTn>
+                        </p:par>
+                      </p:childTnLst>
+                    </p:cTn>
+                  </p:par>
+                  <p:par>
+                    <p:cTn id="45" fill="hold">
+                      <p:stCondLst>
+                        <p:cond delay="indefinite"/>
+                      </p:stCondLst>
+                      <p:childTnLst>
+                        <p:par>
+                          <p:cTn id="46" fill="hold">
+                            <p:stCondLst>
+                              <p:cond delay="0"/>
+                            </p:stCondLst>
+                            <p:childTnLst>
+                              <p:par>
+                                <p:cTn id="47" presetID="2" presetClass="entr" presetSubtype="4" fill="hold" grpId="0" nodeType="clickEffect">
+                                  <p:stCondLst>
+                                    <p:cond delay="0"/>
+                                  </p:stCondLst>
+                                  <p:childTnLst>
+                                    <p:set>
+                                      <p:cBhvr>
+                                        <p:cTn id="48" dur="1" fill="hold">
+                                          <p:stCondLst>
+                                            <p:cond delay="0"/>
+                                          </p:stCondLst>
+                                        </p:cTn>
+                                        <p:tgtEl>
+                                          <p:spTgt spid="12"/>
+                                        </p:tgtEl>
+                                        <p:attrNameLst>
+                                          <p:attrName>style.visibility</p:attrName>
+                                        </p:attrNameLst>
+                                      </p:cBhvr>
+                                      <p:to>
+                                        <p:strVal val="visible"/>
+                                      </p:to>
+                                    </p:set>
+                                    <p:anim calcmode="lin" valueType="num">
+                                      <p:cBhvr additive="base">
+                                        <p:cTn id="49" dur="500" fill="hold"/>
+                                        <p:tgtEl>
+                                          <p:spTgt spid="12"/>
+                                        </p:tgtEl>
+                                        <p:attrNameLst>
+                                          <p:attrName>ppt_x</p:attrName>
+                                        </p:attrNameLst>
+                                      </p:cBhvr>
+                                      <p:tavLst>
+                                        <p:tav tm="0">
+                                          <p:val>
+                                            <p:strVal val="#ppt_x"/>
+                                          </p:val>
+                                        </p:tav>
+                                        <p:tav tm="100000">
+                                          <p:val>
+                                            <p:strVal val="#ppt_x"/>
+                                          </p:val>
+                                        </p:tav>
+                                      </p:tavLst>
+                                    </p:anim>
+                                    <p:anim calcmode="lin" valueType="num">
+                                      <p:cBhvr additive="base">
+                                        <p:cTn id="50" dur="500" fill="hold"/>
+                                        <p:tgtEl>
+                                          <p:spTgt spid="12"/>
+                                        </p:tgtEl>
+                                        <p:attrNameLst>
+                                          <p:attrName>ppt_y</p:attrName>
+                                        </p:attrNameLst>
+                                      </p:cBhvr>
+                                      <p:tavLst>
+                                        <p:tav tm="0">
+                                          <p:val>
+                                            <p:strVal val="1+#ppt_h/2"/>
+                                          </p:val>
+                                        </p:tav>
+                                        <p:tav tm="100000">
+                                          <p:val>
+                                            <p:strVal val="#ppt_y"/>
+                                          </p:val>
+                                        </p:tav>
+                                      </p:tavLst>
+                                    </p:anim>
+                                  </p:childTnLst>
+                                </p:cTn>
+                              </p:par>
+                            </p:childTnLst>
+                          </p:cTn>
+                        </p:par>
+                      </p:childTnLst>
+                    </p:cTn>
+                  </p:par>
+                  <p:par>
+                    <p:cTn id="51" fill="hold">
+                      <p:stCondLst>
+                        <p:cond delay="indefinite"/>
+                      </p:stCondLst>
+                      <p:childTnLst>
+                        <p:par>
+                          <p:cTn id="52" fill="hold">
+                            <p:stCondLst>
+                              <p:cond delay="0"/>
+                            </p:stCondLst>
+                            <p:childTnLst>
+                              <p:par>
+                                <p:cTn id="53" presetID="2" presetClass="entr" presetSubtype="4" fill="hold" grpId="0" nodeType="clickEffect">
+                                  <p:stCondLst>
+                                    <p:cond delay="0"/>
+                                  </p:stCondLst>
+                                  <p:childTnLst>
+                                    <p:set>
+                                      <p:cBhvr>
+                                        <p:cTn id="54" dur="1" fill="hold">
+                                          <p:stCondLst>
+                                            <p:cond delay="0"/>
+                                          </p:stCondLst>
+                                        </p:cTn>
+                                        <p:tgtEl>
+                                          <p:spTgt spid="13"/>
+                                        </p:tgtEl>
+                                        <p:attrNameLst>
+                                          <p:attrName>style.visibility</p:attrName>
+                                        </p:attrNameLst>
+                                      </p:cBhvr>
+                                      <p:to>
+                                        <p:strVal val="visible"/>
+                                      </p:to>
+                                    </p:set>
+                                    <p:anim calcmode="lin" valueType="num">
+                                      <p:cBhvr additive="base">
+                                        <p:cTn id="55" dur="500" fill="hold"/>
+                                        <p:tgtEl>
+                                          <p:spTgt spid="13"/>
+                                        </p:tgtEl>
+                                        <p:attrNameLst>
+                                          <p:attrName>ppt_x</p:attrName>
+                                        </p:attrNameLst>
+                                      </p:cBhvr>
+                                      <p:tavLst>
+                                        <p:tav tm="0">
+                                          <p:val>
+                                            <p:strVal val="#ppt_x"/>
+                                          </p:val>
+                                        </p:tav>
+                                        <p:tav tm="100000">
+                                          <p:val>
+                                            <p:strVal val="#ppt_x"/>
+                                          </p:val>
+                                        </p:tav>
+                                      </p:tavLst>
+                                    </p:anim>
+                                    <p:anim calcmode="lin" valueType="num">
+                                      <p:cBhvr additive="base">
+                                        <p:cTn id="56" dur="500" fill="hold"/>
+                                        <p:tgtEl>
+                                          <p:spTgt spid="13"/>
+                                        </p:tgtEl>
+                                        <p:attrNameLst>
+                                          <p:attrName>ppt_y</p:attrName>
+                                        </p:attrNameLst>
+                                      </p:cBhvr>
+                                      <p:tavLst>
+                                        <p:tav tm="0">
+                                          <p:val>
+                                            <p:strVal val="1+#ppt_h/2"/>
+                                          </p:val>
+                                        </p:tav>
+                                        <p:tav tm="100000">
+                                          <p:val>
+                                            <p:strVal val="#ppt_y"/>
+                                          </p:val>
+                                        </p:tav>
+                                      </p:tavLst>
+                                    </p:anim>
+                                  </p:childTnLst>
+                                </p:cTn>
+                              </p:par>
+                            </p:childTnLst>
+                          </p:cTn>
+                        </p:par>
+                      </p:childTnLst>
+                    </p:cTn>
+                  </p:par>
+                </p:childTnLst>
+              </p:cTn>
+              <p:prevCondLst>
+                <p:cond evt="onPrev" delay="0">
+                  <p:tgtEl>
+                    <p:sldTgt/>
+                  </p:tgtEl>
+                </p:cond>
+              </p:prevCondLst>
+              <p:nextCondLst>
+                <p:cond evt="onNext" delay="0">
+                  <p:tgtEl>
+                    <p:sldTgt/>
+                  </p:tgtEl>
+                </p:cond>
+              </p:nextCondLst>
+            </p:seq>
+          </p:childTnLst>
+        </p:cTn>
       </p:par>
     </p:tnLst>
+    <p:bldLst>
+      <p:bldP spid="5" grpId="0" animBg="1"/>
+      <p:bldP spid="6" grpId="0" animBg="1"/>
+      <p:bldP spid="7" grpId="0" animBg="1"/>
+      <p:bldP spid="9" grpId="0" animBg="1"/>
+      <p:bldP spid="10" grpId="0" animBg="1"/>
+      <p:bldP spid="11" grpId="0" animBg="1"/>
+      <p:bldP spid="12" grpId="0" animBg="1"/>
+      <p:bldP spid="13" grpId="0" animBg="1"/>
+      <p:bldP spid="14" grpId="0" animBg="1"/>
+    </p:bldLst>
   </p:timing>
 </p:sld>
 </file>

--- a/Kuma wash/N1046723_Kumawash.pptx
+++ b/Kuma wash/N1046723_Kumawash.pptx
@@ -4,6 +4,9 @@
   <p:sldMasterIdLst>
     <p:sldMasterId id="2147483648" r:id="rId1"/>
   </p:sldMasterIdLst>
+  <p:notesMasterIdLst>
+    <p:notesMasterId r:id="rId28"/>
+  </p:notesMasterIdLst>
   <p:sldIdLst>
     <p:sldId id="256" r:id="rId2"/>
     <p:sldId id="258" r:id="rId3"/>
@@ -176,6 +179,440 @@
     </p:ext>
   </p:extLst>
 </p:presentation>
+</file>
+
+<file path=ppt/notesMasters/notesMaster1.xml><?xml version="1.0" encoding="utf-8"?>
+<p:notesMaster xmlns:a="http://schemas.openxmlformats.org/drawingml/2006/main" xmlns:r="http://schemas.openxmlformats.org/officeDocument/2006/relationships" xmlns:p="http://schemas.openxmlformats.org/presentationml/2006/main">
+  <p:cSld>
+    <p:bg>
+      <p:bgRef idx="1001">
+        <a:schemeClr val="bg1"/>
+      </p:bgRef>
+    </p:bg>
+    <p:spTree>
+      <p:nvGrpSpPr>
+        <p:cNvPr id="1" name=""/>
+        <p:cNvGrpSpPr/>
+        <p:nvPr/>
+      </p:nvGrpSpPr>
+      <p:grpSpPr>
+        <a:xfrm>
+          <a:off x="0" y="0"/>
+          <a:ext cx="0" cy="0"/>
+          <a:chOff x="0" y="0"/>
+          <a:chExt cx="0" cy="0"/>
+        </a:xfrm>
+      </p:grpSpPr>
+      <p:sp>
+        <p:nvSpPr>
+          <p:cNvPr id="2" name="頁首版面配置區 1"/>
+          <p:cNvSpPr>
+            <a:spLocks noGrp="1"/>
+          </p:cNvSpPr>
+          <p:nvPr>
+            <p:ph type="hdr" sz="quarter"/>
+          </p:nvPr>
+        </p:nvSpPr>
+        <p:spPr>
+          <a:xfrm>
+            <a:off x="0" y="0"/>
+            <a:ext cx="2971800" cy="458788"/>
+          </a:xfrm>
+          <a:prstGeom prst="rect">
+            <a:avLst/>
+          </a:prstGeom>
+        </p:spPr>
+        <p:txBody>
+          <a:bodyPr vert="horz" lIns="91440" tIns="45720" rIns="91440" bIns="45720" rtlCol="0"/>
+          <a:lstStyle>
+            <a:lvl1pPr algn="l">
+              <a:defRPr sz="1200"/>
+            </a:lvl1pPr>
+          </a:lstStyle>
+          <a:p>
+            <a:endParaRPr lang="zh-TW" altLang="en-US"/>
+          </a:p>
+        </p:txBody>
+      </p:sp>
+      <p:sp>
+        <p:nvSpPr>
+          <p:cNvPr id="3" name="日期版面配置區 2"/>
+          <p:cNvSpPr>
+            <a:spLocks noGrp="1"/>
+          </p:cNvSpPr>
+          <p:nvPr>
+            <p:ph type="dt" idx="1"/>
+          </p:nvPr>
+        </p:nvSpPr>
+        <p:spPr>
+          <a:xfrm>
+            <a:off x="3884613" y="0"/>
+            <a:ext cx="2971800" cy="458788"/>
+          </a:xfrm>
+          <a:prstGeom prst="rect">
+            <a:avLst/>
+          </a:prstGeom>
+        </p:spPr>
+        <p:txBody>
+          <a:bodyPr vert="horz" lIns="91440" tIns="45720" rIns="91440" bIns="45720" rtlCol="0"/>
+          <a:lstStyle>
+            <a:lvl1pPr algn="r">
+              <a:defRPr sz="1200"/>
+            </a:lvl1pPr>
+          </a:lstStyle>
+          <a:p>
+            <a:fld id="{6C4721DC-F7B3-42D0-8C50-EBD8C8C97815}" type="datetimeFigureOut">
+              <a:rPr lang="zh-TW" altLang="en-US" smtClean="0"/>
+              <a:t>2016/11/25</a:t>
+            </a:fld>
+            <a:endParaRPr lang="zh-TW" altLang="en-US"/>
+          </a:p>
+        </p:txBody>
+      </p:sp>
+      <p:sp>
+        <p:nvSpPr>
+          <p:cNvPr id="4" name="投影片圖像版面配置區 3"/>
+          <p:cNvSpPr>
+            <a:spLocks noGrp="1" noRot="1" noChangeAspect="1"/>
+          </p:cNvSpPr>
+          <p:nvPr>
+            <p:ph type="sldImg" idx="2"/>
+          </p:nvPr>
+        </p:nvSpPr>
+        <p:spPr>
+          <a:xfrm>
+            <a:off x="1371600" y="1143000"/>
+            <a:ext cx="4114800" cy="3086100"/>
+          </a:xfrm>
+          <a:prstGeom prst="rect">
+            <a:avLst/>
+          </a:prstGeom>
+          <a:noFill/>
+          <a:ln w="12700">
+            <a:solidFill>
+              <a:prstClr val="black"/>
+            </a:solidFill>
+          </a:ln>
+        </p:spPr>
+        <p:txBody>
+          <a:bodyPr vert="horz" lIns="91440" tIns="45720" rIns="91440" bIns="45720" rtlCol="0" anchor="ctr"/>
+          <a:lstStyle/>
+          <a:p>
+            <a:endParaRPr lang="zh-TW" altLang="en-US"/>
+          </a:p>
+        </p:txBody>
+      </p:sp>
+      <p:sp>
+        <p:nvSpPr>
+          <p:cNvPr id="5" name="備忘稿版面配置區 4"/>
+          <p:cNvSpPr>
+            <a:spLocks noGrp="1"/>
+          </p:cNvSpPr>
+          <p:nvPr>
+            <p:ph type="body" sz="quarter" idx="3"/>
+          </p:nvPr>
+        </p:nvSpPr>
+        <p:spPr>
+          <a:xfrm>
+            <a:off x="685800" y="4400550"/>
+            <a:ext cx="5486400" cy="3600450"/>
+          </a:xfrm>
+          <a:prstGeom prst="rect">
+            <a:avLst/>
+          </a:prstGeom>
+        </p:spPr>
+        <p:txBody>
+          <a:bodyPr vert="horz" lIns="91440" tIns="45720" rIns="91440" bIns="45720" rtlCol="0"/>
+          <a:lstStyle/>
+          <a:p>
+            <a:pPr lvl="0"/>
+            <a:r>
+              <a:rPr lang="zh-TW" altLang="en-US" smtClean="0"/>
+              <a:t>按一下以編輯母片文字樣式</a:t>
+            </a:r>
+          </a:p>
+          <a:p>
+            <a:pPr lvl="1"/>
+            <a:r>
+              <a:rPr lang="zh-TW" altLang="en-US" smtClean="0"/>
+              <a:t>第二層</a:t>
+            </a:r>
+          </a:p>
+          <a:p>
+            <a:pPr lvl="2"/>
+            <a:r>
+              <a:rPr lang="zh-TW" altLang="en-US" smtClean="0"/>
+              <a:t>第三層</a:t>
+            </a:r>
+          </a:p>
+          <a:p>
+            <a:pPr lvl="3"/>
+            <a:r>
+              <a:rPr lang="zh-TW" altLang="en-US" smtClean="0"/>
+              <a:t>第四層</a:t>
+            </a:r>
+          </a:p>
+          <a:p>
+            <a:pPr lvl="4"/>
+            <a:r>
+              <a:rPr lang="zh-TW" altLang="en-US" smtClean="0"/>
+              <a:t>第五層</a:t>
+            </a:r>
+            <a:endParaRPr lang="zh-TW" altLang="en-US"/>
+          </a:p>
+        </p:txBody>
+      </p:sp>
+      <p:sp>
+        <p:nvSpPr>
+          <p:cNvPr id="6" name="頁尾版面配置區 5"/>
+          <p:cNvSpPr>
+            <a:spLocks noGrp="1"/>
+          </p:cNvSpPr>
+          <p:nvPr>
+            <p:ph type="ftr" sz="quarter" idx="4"/>
+          </p:nvPr>
+        </p:nvSpPr>
+        <p:spPr>
+          <a:xfrm>
+            <a:off x="0" y="8685213"/>
+            <a:ext cx="2971800" cy="458787"/>
+          </a:xfrm>
+          <a:prstGeom prst="rect">
+            <a:avLst/>
+          </a:prstGeom>
+        </p:spPr>
+        <p:txBody>
+          <a:bodyPr vert="horz" lIns="91440" tIns="45720" rIns="91440" bIns="45720" rtlCol="0" anchor="b"/>
+          <a:lstStyle>
+            <a:lvl1pPr algn="l">
+              <a:defRPr sz="1200"/>
+            </a:lvl1pPr>
+          </a:lstStyle>
+          <a:p>
+            <a:endParaRPr lang="zh-TW" altLang="en-US"/>
+          </a:p>
+        </p:txBody>
+      </p:sp>
+      <p:sp>
+        <p:nvSpPr>
+          <p:cNvPr id="7" name="投影片編號版面配置區 6"/>
+          <p:cNvSpPr>
+            <a:spLocks noGrp="1"/>
+          </p:cNvSpPr>
+          <p:nvPr>
+            <p:ph type="sldNum" sz="quarter" idx="5"/>
+          </p:nvPr>
+        </p:nvSpPr>
+        <p:spPr>
+          <a:xfrm>
+            <a:off x="3884613" y="8685213"/>
+            <a:ext cx="2971800" cy="458787"/>
+          </a:xfrm>
+          <a:prstGeom prst="rect">
+            <a:avLst/>
+          </a:prstGeom>
+        </p:spPr>
+        <p:txBody>
+          <a:bodyPr vert="horz" lIns="91440" tIns="45720" rIns="91440" bIns="45720" rtlCol="0" anchor="b"/>
+          <a:lstStyle>
+            <a:lvl1pPr algn="r">
+              <a:defRPr sz="1200"/>
+            </a:lvl1pPr>
+          </a:lstStyle>
+          <a:p>
+            <a:fld id="{186031F7-4A08-4BAA-8E08-770285FA176D}" type="slidenum">
+              <a:rPr lang="zh-TW" altLang="en-US" smtClean="0"/>
+              <a:t>‹#›</a:t>
+            </a:fld>
+            <a:endParaRPr lang="zh-TW" altLang="en-US"/>
+          </a:p>
+        </p:txBody>
+      </p:sp>
+    </p:spTree>
+    <p:extLst>
+      <p:ext uri="{BB962C8B-B14F-4D97-AF65-F5344CB8AC3E}">
+        <p14:creationId xmlns:p14="http://schemas.microsoft.com/office/powerpoint/2010/main" val="579157656"/>
+      </p:ext>
+    </p:extLst>
+  </p:cSld>
+  <p:clrMap bg1="lt1" tx1="dk1" bg2="lt2" tx2="dk2" accent1="accent1" accent2="accent2" accent3="accent3" accent4="accent4" accent5="accent5" accent6="accent6" hlink="hlink" folHlink="folHlink"/>
+  <p:notesStyle>
+    <a:lvl1pPr marL="0" algn="l" defTabSz="914400" rtl="0" eaLnBrk="1" latinLnBrk="0" hangingPunct="1">
+      <a:defRPr sz="1200" kern="1200">
+        <a:solidFill>
+          <a:schemeClr val="tx1"/>
+        </a:solidFill>
+        <a:latin typeface="+mn-lt"/>
+        <a:ea typeface="+mn-ea"/>
+        <a:cs typeface="+mn-cs"/>
+      </a:defRPr>
+    </a:lvl1pPr>
+    <a:lvl2pPr marL="457200" algn="l" defTabSz="914400" rtl="0" eaLnBrk="1" latinLnBrk="0" hangingPunct="1">
+      <a:defRPr sz="1200" kern="1200">
+        <a:solidFill>
+          <a:schemeClr val="tx1"/>
+        </a:solidFill>
+        <a:latin typeface="+mn-lt"/>
+        <a:ea typeface="+mn-ea"/>
+        <a:cs typeface="+mn-cs"/>
+      </a:defRPr>
+    </a:lvl2pPr>
+    <a:lvl3pPr marL="914400" algn="l" defTabSz="914400" rtl="0" eaLnBrk="1" latinLnBrk="0" hangingPunct="1">
+      <a:defRPr sz="1200" kern="1200">
+        <a:solidFill>
+          <a:schemeClr val="tx1"/>
+        </a:solidFill>
+        <a:latin typeface="+mn-lt"/>
+        <a:ea typeface="+mn-ea"/>
+        <a:cs typeface="+mn-cs"/>
+      </a:defRPr>
+    </a:lvl3pPr>
+    <a:lvl4pPr marL="1371600" algn="l" defTabSz="914400" rtl="0" eaLnBrk="1" latinLnBrk="0" hangingPunct="1">
+      <a:defRPr sz="1200" kern="1200">
+        <a:solidFill>
+          <a:schemeClr val="tx1"/>
+        </a:solidFill>
+        <a:latin typeface="+mn-lt"/>
+        <a:ea typeface="+mn-ea"/>
+        <a:cs typeface="+mn-cs"/>
+      </a:defRPr>
+    </a:lvl4pPr>
+    <a:lvl5pPr marL="1828800" algn="l" defTabSz="914400" rtl="0" eaLnBrk="1" latinLnBrk="0" hangingPunct="1">
+      <a:defRPr sz="1200" kern="1200">
+        <a:solidFill>
+          <a:schemeClr val="tx1"/>
+        </a:solidFill>
+        <a:latin typeface="+mn-lt"/>
+        <a:ea typeface="+mn-ea"/>
+        <a:cs typeface="+mn-cs"/>
+      </a:defRPr>
+    </a:lvl5pPr>
+    <a:lvl6pPr marL="2286000" algn="l" defTabSz="914400" rtl="0" eaLnBrk="1" latinLnBrk="0" hangingPunct="1">
+      <a:defRPr sz="1200" kern="1200">
+        <a:solidFill>
+          <a:schemeClr val="tx1"/>
+        </a:solidFill>
+        <a:latin typeface="+mn-lt"/>
+        <a:ea typeface="+mn-ea"/>
+        <a:cs typeface="+mn-cs"/>
+      </a:defRPr>
+    </a:lvl6pPr>
+    <a:lvl7pPr marL="2743200" algn="l" defTabSz="914400" rtl="0" eaLnBrk="1" latinLnBrk="0" hangingPunct="1">
+      <a:defRPr sz="1200" kern="1200">
+        <a:solidFill>
+          <a:schemeClr val="tx1"/>
+        </a:solidFill>
+        <a:latin typeface="+mn-lt"/>
+        <a:ea typeface="+mn-ea"/>
+        <a:cs typeface="+mn-cs"/>
+      </a:defRPr>
+    </a:lvl7pPr>
+    <a:lvl8pPr marL="3200400" algn="l" defTabSz="914400" rtl="0" eaLnBrk="1" latinLnBrk="0" hangingPunct="1">
+      <a:defRPr sz="1200" kern="1200">
+        <a:solidFill>
+          <a:schemeClr val="tx1"/>
+        </a:solidFill>
+        <a:latin typeface="+mn-lt"/>
+        <a:ea typeface="+mn-ea"/>
+        <a:cs typeface="+mn-cs"/>
+      </a:defRPr>
+    </a:lvl8pPr>
+    <a:lvl9pPr marL="3657600" algn="l" defTabSz="914400" rtl="0" eaLnBrk="1" latinLnBrk="0" hangingPunct="1">
+      <a:defRPr sz="1200" kern="1200">
+        <a:solidFill>
+          <a:schemeClr val="tx1"/>
+        </a:solidFill>
+        <a:latin typeface="+mn-lt"/>
+        <a:ea typeface="+mn-ea"/>
+        <a:cs typeface="+mn-cs"/>
+      </a:defRPr>
+    </a:lvl9pPr>
+  </p:notesStyle>
+</p:notesMaster>
+</file>
+
+<file path=ppt/notesSlides/notesSlide1.xml><?xml version="1.0" encoding="utf-8"?>
+<p:notes xmlns:a="http://schemas.openxmlformats.org/drawingml/2006/main" xmlns:r="http://schemas.openxmlformats.org/officeDocument/2006/relationships" xmlns:p="http://schemas.openxmlformats.org/presentationml/2006/main">
+  <p:cSld>
+    <p:spTree>
+      <p:nvGrpSpPr>
+        <p:cNvPr id="1" name=""/>
+        <p:cNvGrpSpPr/>
+        <p:nvPr/>
+      </p:nvGrpSpPr>
+      <p:grpSpPr>
+        <a:xfrm>
+          <a:off x="0" y="0"/>
+          <a:ext cx="0" cy="0"/>
+          <a:chOff x="0" y="0"/>
+          <a:chExt cx="0" cy="0"/>
+        </a:xfrm>
+      </p:grpSpPr>
+      <p:sp>
+        <p:nvSpPr>
+          <p:cNvPr id="2" name="投影片圖像版面配置區 1"/>
+          <p:cNvSpPr>
+            <a:spLocks noGrp="1" noRot="1" noChangeAspect="1"/>
+          </p:cNvSpPr>
+          <p:nvPr>
+            <p:ph type="sldImg"/>
+          </p:nvPr>
+        </p:nvSpPr>
+        <p:spPr/>
+      </p:sp>
+      <p:sp>
+        <p:nvSpPr>
+          <p:cNvPr id="3" name="備忘稿版面配置區 2"/>
+          <p:cNvSpPr>
+            <a:spLocks noGrp="1"/>
+          </p:cNvSpPr>
+          <p:nvPr>
+            <p:ph type="body" idx="1"/>
+          </p:nvPr>
+        </p:nvSpPr>
+        <p:spPr/>
+        <p:txBody>
+          <a:bodyPr/>
+          <a:lstStyle/>
+          <a:p>
+            <a:endParaRPr lang="zh-TW" altLang="en-US" dirty="0"/>
+          </a:p>
+        </p:txBody>
+      </p:sp>
+      <p:sp>
+        <p:nvSpPr>
+          <p:cNvPr id="4" name="投影片編號版面配置區 3"/>
+          <p:cNvSpPr>
+            <a:spLocks noGrp="1"/>
+          </p:cNvSpPr>
+          <p:nvPr>
+            <p:ph type="sldNum" sz="quarter" idx="10"/>
+          </p:nvPr>
+        </p:nvSpPr>
+        <p:spPr/>
+        <p:txBody>
+          <a:bodyPr/>
+          <a:lstStyle/>
+          <a:p>
+            <a:fld id="{186031F7-4A08-4BAA-8E08-770285FA176D}" type="slidenum">
+              <a:rPr lang="zh-TW" altLang="en-US" smtClean="0"/>
+              <a:t>23</a:t>
+            </a:fld>
+            <a:endParaRPr lang="zh-TW" altLang="en-US"/>
+          </a:p>
+        </p:txBody>
+      </p:sp>
+    </p:spTree>
+    <p:extLst>
+      <p:ext uri="{BB962C8B-B14F-4D97-AF65-F5344CB8AC3E}">
+        <p14:creationId xmlns:p14="http://schemas.microsoft.com/office/powerpoint/2010/main" val="2100227873"/>
+      </p:ext>
+    </p:extLst>
+  </p:cSld>
+  <p:clrMapOvr>
+    <a:masterClrMapping/>
+  </p:clrMapOvr>
+</p:notes>
 </file>
 
 <file path=ppt/slideLayouts/slideLayout1.xml><?xml version="1.0" encoding="utf-8"?>
@@ -3944,14 +4381,42 @@
             <p:ph type="title"/>
           </p:nvPr>
         </p:nvSpPr>
-        <p:spPr/>
+        <p:spPr>
+          <a:noFill/>
+          <a:ln>
+            <a:noFill/>
+          </a:ln>
+          <a:extLst>
+            <a:ext uri="{909E8E84-426E-40DD-AFC4-6F175D3DCCD1}">
+              <a14:hiddenFill xmlns:a14="http://schemas.microsoft.com/office/drawing/2010/main">
+                <a:solidFill>
+                  <a:srgbClr val="FFFFFF"/>
+                </a:solidFill>
+              </a14:hiddenFill>
+            </a:ext>
+            <a:ext uri="{91240B29-F687-4F45-9708-019B960494DF}">
+              <a14:hiddenLine xmlns:a14="http://schemas.microsoft.com/office/drawing/2010/main" w="9525">
+                <a:solidFill>
+                  <a:srgbClr val="000000"/>
+                </a:solidFill>
+                <a:miter lim="800000"/>
+                <a:headEnd/>
+                <a:tailEnd/>
+              </a14:hiddenLine>
+            </a:ext>
+          </a:extLst>
+        </p:spPr>
         <p:txBody>
-          <a:bodyPr/>
+          <a:bodyPr vert="horz" wrap="square" lIns="91440" tIns="45720" rIns="91440" bIns="45720" numCol="1" anchor="ctr" anchorCtr="0" compatLnSpc="1">
+            <a:prstTxWarp prst="textNoShape">
+              <a:avLst/>
+            </a:prstTxWarp>
+          </a:bodyPr>
           <a:lstStyle/>
           <a:p>
             <a:pPr eaLnBrk="1" hangingPunct="1"/>
             <a:r>
-              <a:rPr lang="fr-CA" altLang="zh-TW" dirty="0" smtClean="0">
+              <a:rPr lang="fr-CA" altLang="zh-TW" b="1" dirty="0">
                 <a:solidFill>
                   <a:schemeClr val="bg1"/>
                 </a:solidFill>
@@ -3959,41 +4424,33 @@
               <a:t>Service-</a:t>
             </a:r>
             <a:r>
-              <a:rPr lang="zh-TW" altLang="en-US" dirty="0" smtClean="0">
+              <a:rPr lang="zh-TW" altLang="en-US" b="1" dirty="0">
                 <a:solidFill>
                   <a:schemeClr val="bg1"/>
                 </a:solidFill>
-                <a:latin typeface="微軟正黑體" panose="020B0604030504040204" pitchFamily="34" charset="-120"/>
-                <a:ea typeface="微軟正黑體" panose="020B0604030504040204" pitchFamily="34" charset="-120"/>
               </a:rPr>
               <a:t>行動</a:t>
             </a:r>
             <a:r>
-              <a:rPr lang="en-US" altLang="zh-TW" dirty="0" smtClean="0">
+              <a:rPr lang="en-US" altLang="zh-TW" b="1" dirty="0">
                 <a:solidFill>
                   <a:schemeClr val="bg1"/>
                 </a:solidFill>
-                <a:latin typeface="微軟正黑體" panose="020B0604030504040204" pitchFamily="34" charset="-120"/>
-                <a:ea typeface="微軟正黑體" panose="020B0604030504040204" pitchFamily="34" charset="-120"/>
               </a:rPr>
               <a:t>AP</a:t>
             </a:r>
             <a:r>
-              <a:rPr lang="en-US" altLang="zh-TW" dirty="0">
+              <a:rPr lang="en-US" altLang="zh-TW" b="1" dirty="0">
                 <a:solidFill>
                   <a:schemeClr val="bg1"/>
                 </a:solidFill>
-                <a:latin typeface="微軟正黑體" panose="020B0604030504040204" pitchFamily="34" charset="-120"/>
-                <a:ea typeface="微軟正黑體" panose="020B0604030504040204" pitchFamily="34" charset="-120"/>
               </a:rPr>
               <a:t>P</a:t>
             </a:r>
-            <a:endParaRPr lang="fr-FR" altLang="zh-TW" dirty="0" smtClean="0">
+            <a:endParaRPr lang="fr-FR" altLang="zh-TW" b="1" dirty="0">
               <a:solidFill>
                 <a:schemeClr val="bg1"/>
               </a:solidFill>
-              <a:latin typeface="微軟正黑體" panose="020B0604030504040204" pitchFamily="34" charset="-120"/>
-              <a:ea typeface="微軟正黑體" panose="020B0604030504040204" pitchFamily="34" charset="-120"/>
             </a:endParaRPr>
           </a:p>
         </p:txBody>
@@ -4269,10 +4726,16 @@
           <a:p>
             <a:pPr algn="ctr"/>
             <a:r>
-              <a:rPr lang="zh-TW" altLang="en-US" dirty="0" smtClean="0"/>
+              <a:rPr lang="zh-TW" altLang="en-US" b="1" dirty="0" smtClean="0">
+                <a:latin typeface="微軟正黑體" panose="020B0604030504040204" pitchFamily="34" charset="-120"/>
+                <a:ea typeface="微軟正黑體" panose="020B0604030504040204" pitchFamily="34" charset="-120"/>
+              </a:rPr>
               <a:t>選擇時間</a:t>
             </a:r>
-            <a:endParaRPr lang="zh-TW" altLang="en-US" dirty="0"/>
+            <a:endParaRPr lang="zh-TW" altLang="en-US" b="1" dirty="0">
+              <a:latin typeface="微軟正黑體" panose="020B0604030504040204" pitchFamily="34" charset="-120"/>
+              <a:ea typeface="微軟正黑體" panose="020B0604030504040204" pitchFamily="34" charset="-120"/>
+            </a:endParaRPr>
           </a:p>
         </p:txBody>
       </p:sp>
@@ -4318,10 +4781,16 @@
           <a:p>
             <a:pPr algn="ctr"/>
             <a:r>
-              <a:rPr lang="zh-TW" altLang="en-US" dirty="0" smtClean="0"/>
+              <a:rPr lang="zh-TW" altLang="en-US" b="1" dirty="0" smtClean="0">
+                <a:latin typeface="微軟正黑體" panose="020B0604030504040204" pitchFamily="34" charset="-120"/>
+                <a:ea typeface="微軟正黑體" panose="020B0604030504040204" pitchFamily="34" charset="-120"/>
+              </a:rPr>
               <a:t>選擇香味</a:t>
             </a:r>
-            <a:endParaRPr lang="zh-TW" altLang="en-US" dirty="0"/>
+            <a:endParaRPr lang="zh-TW" altLang="en-US" b="1" dirty="0">
+              <a:latin typeface="微軟正黑體" panose="020B0604030504040204" pitchFamily="34" charset="-120"/>
+              <a:ea typeface="微軟正黑體" panose="020B0604030504040204" pitchFamily="34" charset="-120"/>
+            </a:endParaRPr>
           </a:p>
         </p:txBody>
       </p:sp>
@@ -4961,14 +5430,42 @@
             <p:ph type="title"/>
           </p:nvPr>
         </p:nvSpPr>
-        <p:spPr/>
+        <p:spPr>
+          <a:noFill/>
+          <a:ln>
+            <a:noFill/>
+          </a:ln>
+          <a:extLst>
+            <a:ext uri="{909E8E84-426E-40DD-AFC4-6F175D3DCCD1}">
+              <a14:hiddenFill xmlns:a14="http://schemas.microsoft.com/office/drawing/2010/main">
+                <a:solidFill>
+                  <a:srgbClr val="FFFFFF"/>
+                </a:solidFill>
+              </a14:hiddenFill>
+            </a:ext>
+            <a:ext uri="{91240B29-F687-4F45-9708-019B960494DF}">
+              <a14:hiddenLine xmlns:a14="http://schemas.microsoft.com/office/drawing/2010/main" w="9525">
+                <a:solidFill>
+                  <a:srgbClr val="000000"/>
+                </a:solidFill>
+                <a:miter lim="800000"/>
+                <a:headEnd/>
+                <a:tailEnd/>
+              </a14:hiddenLine>
+            </a:ext>
+          </a:extLst>
+        </p:spPr>
         <p:txBody>
-          <a:bodyPr/>
+          <a:bodyPr vert="horz" wrap="square" lIns="91440" tIns="45720" rIns="91440" bIns="45720" numCol="1" anchor="ctr" anchorCtr="0" compatLnSpc="1">
+            <a:prstTxWarp prst="textNoShape">
+              <a:avLst/>
+            </a:prstTxWarp>
+          </a:bodyPr>
           <a:lstStyle/>
           <a:p>
             <a:pPr eaLnBrk="1" hangingPunct="1"/>
             <a:r>
-              <a:rPr lang="fr-CA" altLang="zh-TW" dirty="0" smtClean="0">
+              <a:rPr lang="fr-CA" altLang="zh-TW" b="1" dirty="0">
                 <a:solidFill>
                   <a:schemeClr val="bg1"/>
                 </a:solidFill>
@@ -4976,41 +5473,33 @@
               <a:t>Service-</a:t>
             </a:r>
             <a:r>
-              <a:rPr lang="zh-TW" altLang="en-US" dirty="0" smtClean="0">
+              <a:rPr lang="zh-TW" altLang="en-US" b="1" dirty="0">
                 <a:solidFill>
                   <a:schemeClr val="bg1"/>
                 </a:solidFill>
-                <a:latin typeface="微軟正黑體" panose="020B0604030504040204" pitchFamily="34" charset="-120"/>
-                <a:ea typeface="微軟正黑體" panose="020B0604030504040204" pitchFamily="34" charset="-120"/>
               </a:rPr>
               <a:t>行動</a:t>
             </a:r>
             <a:r>
-              <a:rPr lang="en-US" altLang="zh-TW" dirty="0" smtClean="0">
+              <a:rPr lang="en-US" altLang="zh-TW" b="1" dirty="0">
                 <a:solidFill>
                   <a:schemeClr val="bg1"/>
                 </a:solidFill>
-                <a:latin typeface="微軟正黑體" panose="020B0604030504040204" pitchFamily="34" charset="-120"/>
-                <a:ea typeface="微軟正黑體" panose="020B0604030504040204" pitchFamily="34" charset="-120"/>
               </a:rPr>
               <a:t>AP</a:t>
             </a:r>
             <a:r>
-              <a:rPr lang="en-US" altLang="zh-TW" dirty="0">
+              <a:rPr lang="en-US" altLang="zh-TW" b="1" dirty="0">
                 <a:solidFill>
                   <a:schemeClr val="bg1"/>
                 </a:solidFill>
-                <a:latin typeface="微軟正黑體" panose="020B0604030504040204" pitchFamily="34" charset="-120"/>
-                <a:ea typeface="微軟正黑體" panose="020B0604030504040204" pitchFamily="34" charset="-120"/>
               </a:rPr>
               <a:t>P</a:t>
             </a:r>
-            <a:endParaRPr lang="fr-FR" altLang="zh-TW" dirty="0" smtClean="0">
+            <a:endParaRPr lang="fr-FR" altLang="zh-TW" b="1" dirty="0">
               <a:solidFill>
                 <a:schemeClr val="bg1"/>
               </a:solidFill>
-              <a:latin typeface="微軟正黑體" panose="020B0604030504040204" pitchFamily="34" charset="-120"/>
-              <a:ea typeface="微軟正黑體" panose="020B0604030504040204" pitchFamily="34" charset="-120"/>
             </a:endParaRPr>
           </a:p>
         </p:txBody>
@@ -5200,10 +5689,16 @@
           <a:p>
             <a:pPr algn="ctr"/>
             <a:r>
-              <a:rPr lang="zh-TW" altLang="en-US" dirty="0" smtClean="0"/>
+              <a:rPr lang="zh-TW" altLang="en-US" b="1" dirty="0" smtClean="0">
+                <a:latin typeface="微軟正黑體" panose="020B0604030504040204" pitchFamily="34" charset="-120"/>
+                <a:ea typeface="微軟正黑體" panose="020B0604030504040204" pitchFamily="34" charset="-120"/>
+              </a:rPr>
               <a:t>確認訂單</a:t>
             </a:r>
-            <a:endParaRPr lang="zh-TW" altLang="en-US" dirty="0"/>
+            <a:endParaRPr lang="zh-TW" altLang="en-US" b="1" dirty="0">
+              <a:latin typeface="微軟正黑體" panose="020B0604030504040204" pitchFamily="34" charset="-120"/>
+              <a:ea typeface="微軟正黑體" panose="020B0604030504040204" pitchFamily="34" charset="-120"/>
+            </a:endParaRPr>
           </a:p>
         </p:txBody>
       </p:sp>
@@ -5658,14 +6153,42 @@
             <p:ph type="title"/>
           </p:nvPr>
         </p:nvSpPr>
-        <p:spPr/>
+        <p:spPr>
+          <a:noFill/>
+          <a:ln>
+            <a:noFill/>
+          </a:ln>
+          <a:extLst>
+            <a:ext uri="{909E8E84-426E-40DD-AFC4-6F175D3DCCD1}">
+              <a14:hiddenFill xmlns:a14="http://schemas.microsoft.com/office/drawing/2010/main">
+                <a:solidFill>
+                  <a:srgbClr val="FFFFFF"/>
+                </a:solidFill>
+              </a14:hiddenFill>
+            </a:ext>
+            <a:ext uri="{91240B29-F687-4F45-9708-019B960494DF}">
+              <a14:hiddenLine xmlns:a14="http://schemas.microsoft.com/office/drawing/2010/main" w="9525">
+                <a:solidFill>
+                  <a:srgbClr val="000000"/>
+                </a:solidFill>
+                <a:miter lim="800000"/>
+                <a:headEnd/>
+                <a:tailEnd/>
+              </a14:hiddenLine>
+            </a:ext>
+          </a:extLst>
+        </p:spPr>
         <p:txBody>
-          <a:bodyPr/>
+          <a:bodyPr vert="horz" wrap="square" lIns="91440" tIns="45720" rIns="91440" bIns="45720" numCol="1" anchor="ctr" anchorCtr="0" compatLnSpc="1">
+            <a:prstTxWarp prst="textNoShape">
+              <a:avLst/>
+            </a:prstTxWarp>
+          </a:bodyPr>
           <a:lstStyle/>
           <a:p>
             <a:pPr eaLnBrk="1" hangingPunct="1"/>
             <a:r>
-              <a:rPr lang="fr-CA" altLang="zh-TW" dirty="0" smtClean="0">
+              <a:rPr lang="fr-CA" altLang="zh-TW" b="1" dirty="0">
                 <a:solidFill>
                   <a:schemeClr val="bg1"/>
                 </a:solidFill>
@@ -5673,21 +6196,17 @@
               <a:t>Service-</a:t>
             </a:r>
             <a:r>
-              <a:rPr lang="zh-TW" altLang="en-US" dirty="0" smtClean="0">
+              <a:rPr lang="zh-TW" altLang="en-US" b="1" dirty="0">
                 <a:solidFill>
                   <a:schemeClr val="bg1"/>
                 </a:solidFill>
-                <a:latin typeface="微軟正黑體" panose="020B0604030504040204" pitchFamily="34" charset="-120"/>
-                <a:ea typeface="微軟正黑體" panose="020B0604030504040204" pitchFamily="34" charset="-120"/>
               </a:rPr>
               <a:t>專人到府收送</a:t>
             </a:r>
-            <a:endParaRPr lang="fr-FR" altLang="zh-TW" dirty="0" smtClean="0">
+            <a:endParaRPr lang="fr-FR" altLang="zh-TW" b="1" dirty="0">
               <a:solidFill>
                 <a:schemeClr val="bg1"/>
               </a:solidFill>
-              <a:latin typeface="微軟正黑體" panose="020B0604030504040204" pitchFamily="34" charset="-120"/>
-              <a:ea typeface="微軟正黑體" panose="020B0604030504040204" pitchFamily="34" charset="-120"/>
             </a:endParaRPr>
           </a:p>
         </p:txBody>
@@ -5809,9 +6328,126 @@
   <p:timing>
     <p:tnLst>
       <p:par>
-        <p:cTn id="1" dur="indefinite" restart="never" nodeType="tmRoot"/>
+        <p:cTn id="1" dur="indefinite" restart="never" nodeType="tmRoot">
+          <p:childTnLst>
+            <p:seq concurrent="1" nextAc="seek">
+              <p:cTn id="2" dur="indefinite" nodeType="mainSeq">
+                <p:childTnLst>
+                  <p:par>
+                    <p:cTn id="3" fill="hold">
+                      <p:stCondLst>
+                        <p:cond delay="indefinite"/>
+                      </p:stCondLst>
+                      <p:childTnLst>
+                        <p:par>
+                          <p:cTn id="4" fill="hold">
+                            <p:stCondLst>
+                              <p:cond delay="0"/>
+                            </p:stCondLst>
+                            <p:childTnLst>
+                              <p:par>
+                                <p:cTn id="5" presetID="2" presetClass="entr" presetSubtype="4" fill="hold" grpId="0" nodeType="clickEffect">
+                                  <p:stCondLst>
+                                    <p:cond delay="0"/>
+                                  </p:stCondLst>
+                                  <p:childTnLst>
+                                    <p:set>
+                                      <p:cBhvr>
+                                        <p:cTn id="6" dur="1" fill="hold">
+                                          <p:stCondLst>
+                                            <p:cond delay="0"/>
+                                          </p:stCondLst>
+                                        </p:cTn>
+                                        <p:tgtEl>
+                                          <p:spTgt spid="9"/>
+                                        </p:tgtEl>
+                                        <p:attrNameLst>
+                                          <p:attrName>style.visibility</p:attrName>
+                                        </p:attrNameLst>
+                                      </p:cBhvr>
+                                      <p:to>
+                                        <p:strVal val="visible"/>
+                                      </p:to>
+                                    </p:set>
+                                    <p:anim calcmode="lin" valueType="num">
+                                      <p:cBhvr additive="base">
+                                        <p:cTn id="7" dur="500" fill="hold"/>
+                                        <p:tgtEl>
+                                          <p:spTgt spid="9"/>
+                                        </p:tgtEl>
+                                        <p:attrNameLst>
+                                          <p:attrName>ppt_x</p:attrName>
+                                        </p:attrNameLst>
+                                      </p:cBhvr>
+                                      <p:tavLst>
+                                        <p:tav tm="0">
+                                          <p:val>
+                                            <p:strVal val="#ppt_x"/>
+                                          </p:val>
+                                        </p:tav>
+                                        <p:tav tm="100000">
+                                          <p:val>
+                                            <p:strVal val="#ppt_x"/>
+                                          </p:val>
+                                        </p:tav>
+                                      </p:tavLst>
+                                    </p:anim>
+                                    <p:anim calcmode="lin" valueType="num">
+                                      <p:cBhvr additive="base">
+                                        <p:cTn id="8" dur="500" fill="hold"/>
+                                        <p:tgtEl>
+                                          <p:spTgt spid="9"/>
+                                        </p:tgtEl>
+                                        <p:attrNameLst>
+                                          <p:attrName>ppt_y</p:attrName>
+                                        </p:attrNameLst>
+                                      </p:cBhvr>
+                                      <p:tavLst>
+                                        <p:tav tm="0">
+                                          <p:val>
+                                            <p:strVal val="1+#ppt_h/2"/>
+                                          </p:val>
+                                        </p:tav>
+                                        <p:tav tm="100000">
+                                          <p:val>
+                                            <p:strVal val="#ppt_y"/>
+                                          </p:val>
+                                        </p:tav>
+                                      </p:tavLst>
+                                    </p:anim>
+                                  </p:childTnLst>
+                                </p:cTn>
+                              </p:par>
+                            </p:childTnLst>
+                          </p:cTn>
+                        </p:par>
+                      </p:childTnLst>
+                    </p:cTn>
+                  </p:par>
+                </p:childTnLst>
+              </p:cTn>
+              <p:prevCondLst>
+                <p:cond evt="onPrev" delay="0">
+                  <p:tgtEl>
+                    <p:sldTgt/>
+                  </p:tgtEl>
+                </p:cond>
+              </p:prevCondLst>
+              <p:nextCondLst>
+                <p:cond evt="onNext" delay="0">
+                  <p:tgtEl>
+                    <p:sldTgt/>
+                  </p:tgtEl>
+                </p:cond>
+              </p:nextCondLst>
+            </p:seq>
+          </p:childTnLst>
+        </p:cTn>
       </p:par>
     </p:tnLst>
+    <p:bldLst>
+      <p:bldP spid="9" grpId="0"/>
+    </p:bldLst>
   </p:timing>
 </p:sld>
 </file>
@@ -5946,14 +6582,42 @@
             <p:ph type="title"/>
           </p:nvPr>
         </p:nvSpPr>
-        <p:spPr/>
+        <p:spPr>
+          <a:noFill/>
+          <a:ln>
+            <a:noFill/>
+          </a:ln>
+          <a:extLst>
+            <a:ext uri="{909E8E84-426E-40DD-AFC4-6F175D3DCCD1}">
+              <a14:hiddenFill xmlns:a14="http://schemas.microsoft.com/office/drawing/2010/main">
+                <a:solidFill>
+                  <a:srgbClr val="FFFFFF"/>
+                </a:solidFill>
+              </a14:hiddenFill>
+            </a:ext>
+            <a:ext uri="{91240B29-F687-4F45-9708-019B960494DF}">
+              <a14:hiddenLine xmlns:a14="http://schemas.microsoft.com/office/drawing/2010/main" w="9525">
+                <a:solidFill>
+                  <a:srgbClr val="000000"/>
+                </a:solidFill>
+                <a:miter lim="800000"/>
+                <a:headEnd/>
+                <a:tailEnd/>
+              </a14:hiddenLine>
+            </a:ext>
+          </a:extLst>
+        </p:spPr>
         <p:txBody>
-          <a:bodyPr/>
+          <a:bodyPr vert="horz" wrap="square" lIns="91440" tIns="45720" rIns="91440" bIns="45720" numCol="1" anchor="ctr" anchorCtr="0" compatLnSpc="1">
+            <a:prstTxWarp prst="textNoShape">
+              <a:avLst/>
+            </a:prstTxWarp>
+          </a:bodyPr>
           <a:lstStyle/>
           <a:p>
             <a:pPr eaLnBrk="1" hangingPunct="1"/>
             <a:r>
-              <a:rPr lang="fr-CA" altLang="zh-TW" dirty="0" smtClean="0">
+              <a:rPr lang="fr-CA" altLang="zh-TW" b="1" dirty="0">
                 <a:solidFill>
                   <a:schemeClr val="bg1"/>
                 </a:solidFill>
@@ -5961,21 +6625,17 @@
               <a:t>Service-</a:t>
             </a:r>
             <a:r>
-              <a:rPr lang="zh-TW" altLang="en-US" dirty="0" smtClean="0">
+              <a:rPr lang="zh-TW" altLang="en-US" b="1" dirty="0">
                 <a:solidFill>
                   <a:schemeClr val="bg1"/>
                 </a:solidFill>
-                <a:latin typeface="微軟正黑體" panose="020B0604030504040204" pitchFamily="34" charset="-120"/>
-                <a:ea typeface="微軟正黑體" panose="020B0604030504040204" pitchFamily="34" charset="-120"/>
               </a:rPr>
               <a:t>整體</a:t>
             </a:r>
-            <a:endParaRPr lang="fr-FR" altLang="zh-TW" dirty="0" smtClean="0">
+            <a:endParaRPr lang="fr-FR" altLang="zh-TW" b="1" dirty="0">
               <a:solidFill>
                 <a:schemeClr val="bg1"/>
               </a:solidFill>
-              <a:latin typeface="微軟正黑體" panose="020B0604030504040204" pitchFamily="34" charset="-120"/>
-              <a:ea typeface="微軟正黑體" panose="020B0604030504040204" pitchFamily="34" charset="-120"/>
             </a:endParaRPr>
           </a:p>
         </p:txBody>
@@ -6166,14 +6826,42 @@
             <p:ph type="title"/>
           </p:nvPr>
         </p:nvSpPr>
-        <p:spPr/>
+        <p:spPr>
+          <a:noFill/>
+          <a:ln>
+            <a:noFill/>
+          </a:ln>
+          <a:extLst>
+            <a:ext uri="{909E8E84-426E-40DD-AFC4-6F175D3DCCD1}">
+              <a14:hiddenFill xmlns:a14="http://schemas.microsoft.com/office/drawing/2010/main">
+                <a:solidFill>
+                  <a:srgbClr val="FFFFFF"/>
+                </a:solidFill>
+              </a14:hiddenFill>
+            </a:ext>
+            <a:ext uri="{91240B29-F687-4F45-9708-019B960494DF}">
+              <a14:hiddenLine xmlns:a14="http://schemas.microsoft.com/office/drawing/2010/main" w="9525">
+                <a:solidFill>
+                  <a:srgbClr val="000000"/>
+                </a:solidFill>
+                <a:miter lim="800000"/>
+                <a:headEnd/>
+                <a:tailEnd/>
+              </a14:hiddenLine>
+            </a:ext>
+          </a:extLst>
+        </p:spPr>
         <p:txBody>
-          <a:bodyPr/>
+          <a:bodyPr vert="horz" wrap="square" lIns="91440" tIns="45720" rIns="91440" bIns="45720" numCol="1" anchor="ctr" anchorCtr="0" compatLnSpc="1">
+            <a:prstTxWarp prst="textNoShape">
+              <a:avLst/>
+            </a:prstTxWarp>
+          </a:bodyPr>
           <a:lstStyle/>
           <a:p>
             <a:pPr eaLnBrk="1" hangingPunct="1"/>
             <a:r>
-              <a:rPr lang="fr-CA" altLang="zh-TW" dirty="0" smtClean="0">
+              <a:rPr lang="fr-CA" altLang="zh-TW" b="1" dirty="0">
                 <a:solidFill>
                   <a:schemeClr val="bg1"/>
                 </a:solidFill>
@@ -6181,21 +6869,17 @@
               <a:t>Service-</a:t>
             </a:r>
             <a:r>
-              <a:rPr lang="zh-TW" altLang="en-US" dirty="0" smtClean="0">
+              <a:rPr lang="zh-TW" altLang="en-US" b="1" dirty="0">
                 <a:solidFill>
                   <a:schemeClr val="bg1"/>
                 </a:solidFill>
-                <a:latin typeface="微軟正黑體" panose="020B0604030504040204" pitchFamily="34" charset="-120"/>
-                <a:ea typeface="微軟正黑體" panose="020B0604030504040204" pitchFamily="34" charset="-120"/>
               </a:rPr>
               <a:t>整體</a:t>
             </a:r>
-            <a:endParaRPr lang="fr-FR" altLang="zh-TW" dirty="0" smtClean="0">
+            <a:endParaRPr lang="fr-FR" altLang="zh-TW" b="1" dirty="0">
               <a:solidFill>
                 <a:schemeClr val="bg1"/>
               </a:solidFill>
-              <a:latin typeface="微軟正黑體" panose="020B0604030504040204" pitchFamily="34" charset="-120"/>
-              <a:ea typeface="微軟正黑體" panose="020B0604030504040204" pitchFamily="34" charset="-120"/>
             </a:endParaRPr>
           </a:p>
         </p:txBody>
@@ -6393,14 +7077,42 @@
             <p:ph type="title"/>
           </p:nvPr>
         </p:nvSpPr>
-        <p:spPr/>
+        <p:spPr>
+          <a:noFill/>
+          <a:ln>
+            <a:noFill/>
+          </a:ln>
+          <a:extLst>
+            <a:ext uri="{909E8E84-426E-40DD-AFC4-6F175D3DCCD1}">
+              <a14:hiddenFill xmlns:a14="http://schemas.microsoft.com/office/drawing/2010/main">
+                <a:solidFill>
+                  <a:srgbClr val="FFFFFF"/>
+                </a:solidFill>
+              </a14:hiddenFill>
+            </a:ext>
+            <a:ext uri="{91240B29-F687-4F45-9708-019B960494DF}">
+              <a14:hiddenLine xmlns:a14="http://schemas.microsoft.com/office/drawing/2010/main" w="9525">
+                <a:solidFill>
+                  <a:srgbClr val="000000"/>
+                </a:solidFill>
+                <a:miter lim="800000"/>
+                <a:headEnd/>
+                <a:tailEnd/>
+              </a14:hiddenLine>
+            </a:ext>
+          </a:extLst>
+        </p:spPr>
         <p:txBody>
-          <a:bodyPr/>
+          <a:bodyPr vert="horz" wrap="square" lIns="91440" tIns="45720" rIns="91440" bIns="45720" numCol="1" anchor="ctr" anchorCtr="0" compatLnSpc="1">
+            <a:prstTxWarp prst="textNoShape">
+              <a:avLst/>
+            </a:prstTxWarp>
+          </a:bodyPr>
           <a:lstStyle/>
           <a:p>
             <a:pPr eaLnBrk="1" hangingPunct="1"/>
             <a:r>
-              <a:rPr lang="fr-CA" altLang="zh-TW" dirty="0" smtClean="0">
+              <a:rPr lang="fr-CA" altLang="zh-TW" b="1" dirty="0">
                 <a:solidFill>
                   <a:schemeClr val="bg1"/>
                 </a:solidFill>
@@ -6408,21 +7120,17 @@
               <a:t>Service-</a:t>
             </a:r>
             <a:r>
-              <a:rPr lang="zh-TW" altLang="en-US" dirty="0" smtClean="0">
+              <a:rPr lang="zh-TW" altLang="en-US" b="1" dirty="0">
                 <a:solidFill>
                   <a:schemeClr val="bg1"/>
                 </a:solidFill>
-                <a:latin typeface="微軟正黑體" panose="020B0604030504040204" pitchFamily="34" charset="-120"/>
-                <a:ea typeface="微軟正黑體" panose="020B0604030504040204" pitchFamily="34" charset="-120"/>
               </a:rPr>
               <a:t>整體</a:t>
             </a:r>
-            <a:endParaRPr lang="fr-FR" altLang="zh-TW" dirty="0" smtClean="0">
+            <a:endParaRPr lang="fr-FR" altLang="zh-TW" b="1" dirty="0">
               <a:solidFill>
                 <a:schemeClr val="bg1"/>
               </a:solidFill>
-              <a:latin typeface="微軟正黑體" panose="020B0604030504040204" pitchFamily="34" charset="-120"/>
-              <a:ea typeface="微軟正黑體" panose="020B0604030504040204" pitchFamily="34" charset="-120"/>
             </a:endParaRPr>
           </a:p>
         </p:txBody>
@@ -6609,14 +7317,42 @@
             <p:ph type="title"/>
           </p:nvPr>
         </p:nvSpPr>
-        <p:spPr/>
+        <p:spPr>
+          <a:noFill/>
+          <a:ln>
+            <a:noFill/>
+          </a:ln>
+          <a:extLst>
+            <a:ext uri="{909E8E84-426E-40DD-AFC4-6F175D3DCCD1}">
+              <a14:hiddenFill xmlns:a14="http://schemas.microsoft.com/office/drawing/2010/main">
+                <a:solidFill>
+                  <a:srgbClr val="FFFFFF"/>
+                </a:solidFill>
+              </a14:hiddenFill>
+            </a:ext>
+            <a:ext uri="{91240B29-F687-4F45-9708-019B960494DF}">
+              <a14:hiddenLine xmlns:a14="http://schemas.microsoft.com/office/drawing/2010/main" w="9525">
+                <a:solidFill>
+                  <a:srgbClr val="000000"/>
+                </a:solidFill>
+                <a:miter lim="800000"/>
+                <a:headEnd/>
+                <a:tailEnd/>
+              </a14:hiddenLine>
+            </a:ext>
+          </a:extLst>
+        </p:spPr>
         <p:txBody>
-          <a:bodyPr/>
+          <a:bodyPr vert="horz" wrap="square" lIns="91440" tIns="45720" rIns="91440" bIns="45720" numCol="1" anchor="ctr" anchorCtr="0" compatLnSpc="1">
+            <a:prstTxWarp prst="textNoShape">
+              <a:avLst/>
+            </a:prstTxWarp>
+          </a:bodyPr>
           <a:lstStyle/>
           <a:p>
             <a:pPr eaLnBrk="1" hangingPunct="1"/>
             <a:r>
-              <a:rPr lang="fr-CA" altLang="zh-TW" dirty="0" smtClean="0">
+              <a:rPr lang="fr-CA" altLang="zh-TW" b="1" dirty="0">
                 <a:solidFill>
                   <a:schemeClr val="bg1"/>
                 </a:solidFill>
@@ -6624,16 +7360,14 @@
               <a:t>Service-</a:t>
             </a:r>
             <a:r>
-              <a:rPr lang="zh-TW" altLang="en-US" dirty="0">
+              <a:rPr lang="zh-TW" altLang="en-US" b="1" dirty="0">
                 <a:solidFill>
                   <a:schemeClr val="bg1"/>
                 </a:solidFill>
-                <a:latin typeface="微軟正黑體" panose="020B0604030504040204" pitchFamily="34" charset="-120"/>
-                <a:ea typeface="微軟正黑體" panose="020B0604030504040204" pitchFamily="34" charset="-120"/>
               </a:rPr>
               <a:t>整體</a:t>
             </a:r>
-            <a:endParaRPr lang="fr-FR" altLang="zh-TW" dirty="0" smtClean="0">
+            <a:endParaRPr lang="fr-FR" altLang="zh-TW" b="1" dirty="0">
               <a:solidFill>
                 <a:schemeClr val="bg1"/>
               </a:solidFill>
@@ -6834,14 +7568,42 @@
             <p:ph type="title"/>
           </p:nvPr>
         </p:nvSpPr>
-        <p:spPr/>
+        <p:spPr>
+          <a:noFill/>
+          <a:ln>
+            <a:noFill/>
+          </a:ln>
+          <a:extLst>
+            <a:ext uri="{909E8E84-426E-40DD-AFC4-6F175D3DCCD1}">
+              <a14:hiddenFill xmlns:a14="http://schemas.microsoft.com/office/drawing/2010/main">
+                <a:solidFill>
+                  <a:srgbClr val="FFFFFF"/>
+                </a:solidFill>
+              </a14:hiddenFill>
+            </a:ext>
+            <a:ext uri="{91240B29-F687-4F45-9708-019B960494DF}">
+              <a14:hiddenLine xmlns:a14="http://schemas.microsoft.com/office/drawing/2010/main" w="9525">
+                <a:solidFill>
+                  <a:srgbClr val="000000"/>
+                </a:solidFill>
+                <a:miter lim="800000"/>
+                <a:headEnd/>
+                <a:tailEnd/>
+              </a14:hiddenLine>
+            </a:ext>
+          </a:extLst>
+        </p:spPr>
         <p:txBody>
-          <a:bodyPr/>
+          <a:bodyPr vert="horz" wrap="square" lIns="91440" tIns="45720" rIns="91440" bIns="45720" numCol="1" anchor="ctr" anchorCtr="0" compatLnSpc="1">
+            <a:prstTxWarp prst="textNoShape">
+              <a:avLst/>
+            </a:prstTxWarp>
+          </a:bodyPr>
           <a:lstStyle/>
           <a:p>
             <a:pPr eaLnBrk="1" hangingPunct="1"/>
             <a:r>
-              <a:rPr lang="fr-CA" altLang="zh-TW" dirty="0" smtClean="0">
+              <a:rPr lang="fr-CA" altLang="zh-TW" b="1" dirty="0">
                 <a:solidFill>
                   <a:schemeClr val="bg1"/>
                 </a:solidFill>
@@ -6849,16 +7611,14 @@
               <a:t>Service-</a:t>
             </a:r>
             <a:r>
-              <a:rPr lang="zh-TW" altLang="en-US" dirty="0">
+              <a:rPr lang="zh-TW" altLang="en-US" b="1" dirty="0">
                 <a:solidFill>
                   <a:schemeClr val="bg1"/>
                 </a:solidFill>
-                <a:latin typeface="微軟正黑體" panose="020B0604030504040204" pitchFamily="34" charset="-120"/>
-                <a:ea typeface="微軟正黑體" panose="020B0604030504040204" pitchFamily="34" charset="-120"/>
               </a:rPr>
               <a:t>整體</a:t>
             </a:r>
-            <a:endParaRPr lang="fr-FR" altLang="zh-TW" dirty="0" smtClean="0">
+            <a:endParaRPr lang="fr-FR" altLang="zh-TW" b="1" dirty="0">
               <a:solidFill>
                 <a:schemeClr val="bg1"/>
               </a:solidFill>
@@ -7073,14 +7833,14 @@
           <a:p>
             <a:pPr algn="l" eaLnBrk="1" hangingPunct="1"/>
             <a:r>
-              <a:rPr lang="fr-CA" sz="4800" dirty="0" smtClean="0">
+              <a:rPr lang="fr-CA" sz="6600" b="1" dirty="0" smtClean="0">
                 <a:solidFill>
                   <a:srgbClr val="595959"/>
                 </a:solidFill>
               </a:rPr>
               <a:t>Agenda</a:t>
             </a:r>
-            <a:endParaRPr lang="fr-FR" altLang="zh-TW" sz="4800" dirty="0" smtClean="0">
+            <a:endParaRPr lang="fr-FR" altLang="zh-TW" sz="6600" b="1" dirty="0" smtClean="0">
               <a:solidFill>
                 <a:srgbClr val="595959"/>
               </a:solidFill>
@@ -7731,14 +8491,42 @@
             <p:ph type="title"/>
           </p:nvPr>
         </p:nvSpPr>
-        <p:spPr/>
+        <p:spPr>
+          <a:noFill/>
+          <a:ln>
+            <a:noFill/>
+          </a:ln>
+          <a:extLst>
+            <a:ext uri="{909E8E84-426E-40DD-AFC4-6F175D3DCCD1}">
+              <a14:hiddenFill xmlns:a14="http://schemas.microsoft.com/office/drawing/2010/main">
+                <a:solidFill>
+                  <a:srgbClr val="FFFFFF"/>
+                </a:solidFill>
+              </a14:hiddenFill>
+            </a:ext>
+            <a:ext uri="{91240B29-F687-4F45-9708-019B960494DF}">
+              <a14:hiddenLine xmlns:a14="http://schemas.microsoft.com/office/drawing/2010/main" w="9525">
+                <a:solidFill>
+                  <a:srgbClr val="000000"/>
+                </a:solidFill>
+                <a:miter lim="800000"/>
+                <a:headEnd/>
+                <a:tailEnd/>
+              </a14:hiddenLine>
+            </a:ext>
+          </a:extLst>
+        </p:spPr>
         <p:txBody>
-          <a:bodyPr/>
+          <a:bodyPr vert="horz" wrap="square" lIns="91440" tIns="45720" rIns="91440" bIns="45720" numCol="1" anchor="ctr" anchorCtr="0" compatLnSpc="1">
+            <a:prstTxWarp prst="textNoShape">
+              <a:avLst/>
+            </a:prstTxWarp>
+          </a:bodyPr>
           <a:lstStyle/>
           <a:p>
             <a:pPr eaLnBrk="1" hangingPunct="1"/>
             <a:r>
-              <a:rPr lang="fr-CA" altLang="zh-TW" dirty="0" smtClean="0">
+              <a:rPr lang="fr-CA" altLang="zh-TW" b="1" dirty="0">
                 <a:solidFill>
                   <a:schemeClr val="bg1"/>
                 </a:solidFill>
@@ -7746,16 +8534,14 @@
               <a:t>Service-</a:t>
             </a:r>
             <a:r>
-              <a:rPr lang="zh-TW" altLang="en-US" dirty="0">
+              <a:rPr lang="zh-TW" altLang="en-US" b="1" dirty="0">
                 <a:solidFill>
                   <a:schemeClr val="bg1"/>
                 </a:solidFill>
-                <a:latin typeface="微軟正黑體" panose="020B0604030504040204" pitchFamily="34" charset="-120"/>
-                <a:ea typeface="微軟正黑體" panose="020B0604030504040204" pitchFamily="34" charset="-120"/>
               </a:rPr>
               <a:t>整體</a:t>
             </a:r>
-            <a:endParaRPr lang="fr-FR" altLang="zh-TW" dirty="0" smtClean="0">
+            <a:endParaRPr lang="fr-FR" altLang="zh-TW" b="1" dirty="0">
               <a:solidFill>
                 <a:schemeClr val="bg1"/>
               </a:solidFill>
@@ -7956,14 +8742,42 @@
             <p:ph type="title"/>
           </p:nvPr>
         </p:nvSpPr>
-        <p:spPr/>
+        <p:spPr>
+          <a:noFill/>
+          <a:ln>
+            <a:noFill/>
+          </a:ln>
+          <a:extLst>
+            <a:ext uri="{909E8E84-426E-40DD-AFC4-6F175D3DCCD1}">
+              <a14:hiddenFill xmlns:a14="http://schemas.microsoft.com/office/drawing/2010/main">
+                <a:solidFill>
+                  <a:srgbClr val="FFFFFF"/>
+                </a:solidFill>
+              </a14:hiddenFill>
+            </a:ext>
+            <a:ext uri="{91240B29-F687-4F45-9708-019B960494DF}">
+              <a14:hiddenLine xmlns:a14="http://schemas.microsoft.com/office/drawing/2010/main" w="9525">
+                <a:solidFill>
+                  <a:srgbClr val="000000"/>
+                </a:solidFill>
+                <a:miter lim="800000"/>
+                <a:headEnd/>
+                <a:tailEnd/>
+              </a14:hiddenLine>
+            </a:ext>
+          </a:extLst>
+        </p:spPr>
         <p:txBody>
-          <a:bodyPr/>
+          <a:bodyPr vert="horz" wrap="square" lIns="91440" tIns="45720" rIns="91440" bIns="45720" numCol="1" anchor="ctr" anchorCtr="0" compatLnSpc="1">
+            <a:prstTxWarp prst="textNoShape">
+              <a:avLst/>
+            </a:prstTxWarp>
+          </a:bodyPr>
           <a:lstStyle/>
           <a:p>
             <a:pPr eaLnBrk="1" hangingPunct="1"/>
             <a:r>
-              <a:rPr lang="fr-CA" altLang="zh-TW" dirty="0" smtClean="0">
+              <a:rPr lang="fr-CA" altLang="zh-TW" b="1" dirty="0">
                 <a:solidFill>
                   <a:schemeClr val="bg1"/>
                 </a:solidFill>
@@ -7971,16 +8785,14 @@
               <a:t>Service-</a:t>
             </a:r>
             <a:r>
-              <a:rPr lang="zh-TW" altLang="en-US" dirty="0">
+              <a:rPr lang="zh-TW" altLang="en-US" b="1" dirty="0">
                 <a:solidFill>
                   <a:schemeClr val="bg1"/>
                 </a:solidFill>
-                <a:latin typeface="微軟正黑體" panose="020B0604030504040204" pitchFamily="34" charset="-120"/>
-                <a:ea typeface="微軟正黑體" panose="020B0604030504040204" pitchFamily="34" charset="-120"/>
               </a:rPr>
               <a:t>整體</a:t>
             </a:r>
-            <a:endParaRPr lang="fr-FR" altLang="zh-TW" dirty="0" smtClean="0">
+            <a:endParaRPr lang="fr-FR" altLang="zh-TW" b="1" dirty="0">
               <a:solidFill>
                 <a:schemeClr val="bg1"/>
               </a:solidFill>
@@ -8228,7 +9040,7 @@
     <p:bg>
       <p:bgPr>
         <a:blipFill dpi="0" rotWithShape="0">
-          <a:blip r:embed="rId2"/>
+          <a:blip r:embed="rId3"/>
           <a:srcRect/>
           <a:stretch>
             <a:fillRect/>
@@ -8261,14 +9073,42 @@
             <p:ph type="title"/>
           </p:nvPr>
         </p:nvSpPr>
-        <p:spPr/>
+        <p:spPr>
+          <a:noFill/>
+          <a:ln>
+            <a:noFill/>
+          </a:ln>
+          <a:extLst>
+            <a:ext uri="{909E8E84-426E-40DD-AFC4-6F175D3DCCD1}">
+              <a14:hiddenFill xmlns:a14="http://schemas.microsoft.com/office/drawing/2010/main">
+                <a:solidFill>
+                  <a:srgbClr val="FFFFFF"/>
+                </a:solidFill>
+              </a14:hiddenFill>
+            </a:ext>
+            <a:ext uri="{91240B29-F687-4F45-9708-019B960494DF}">
+              <a14:hiddenLine xmlns:a14="http://schemas.microsoft.com/office/drawing/2010/main" w="9525">
+                <a:solidFill>
+                  <a:srgbClr val="000000"/>
+                </a:solidFill>
+                <a:miter lim="800000"/>
+                <a:headEnd/>
+                <a:tailEnd/>
+              </a14:hiddenLine>
+            </a:ext>
+          </a:extLst>
+        </p:spPr>
         <p:txBody>
-          <a:bodyPr/>
+          <a:bodyPr vert="horz" wrap="square" lIns="91440" tIns="45720" rIns="91440" bIns="45720" numCol="1" anchor="ctr" anchorCtr="0" compatLnSpc="1">
+            <a:prstTxWarp prst="textNoShape">
+              <a:avLst/>
+            </a:prstTxWarp>
+          </a:bodyPr>
           <a:lstStyle/>
           <a:p>
             <a:pPr eaLnBrk="1" hangingPunct="1"/>
             <a:r>
-              <a:rPr lang="fr-CA" altLang="zh-TW" dirty="0">
+              <a:rPr lang="fr-CA" altLang="zh-TW" b="1" dirty="0">
                 <a:solidFill>
                   <a:schemeClr val="bg1"/>
                 </a:solidFill>
@@ -8276,14 +9116,14 @@
               <a:t>Service-</a:t>
             </a:r>
             <a:r>
-              <a:rPr lang="zh-TW" altLang="en-US" dirty="0">
+              <a:rPr lang="zh-TW" altLang="en-US" b="1" dirty="0">
                 <a:solidFill>
                   <a:schemeClr val="bg1"/>
                 </a:solidFill>
               </a:rPr>
               <a:t>價格</a:t>
             </a:r>
-            <a:endParaRPr lang="fr-FR" altLang="zh-TW" dirty="0">
+            <a:endParaRPr lang="fr-FR" altLang="zh-TW" b="1" dirty="0">
               <a:solidFill>
                 <a:schemeClr val="bg1"/>
               </a:solidFill>
@@ -8302,7 +9142,7 @@
           </p:nvPr>
         </p:nvPicPr>
         <p:blipFill rotWithShape="1">
-          <a:blip r:embed="rId3">
+          <a:blip r:embed="rId4">
             <a:extLst>
               <a:ext uri="{28A0092B-C50C-407E-A947-70E740481C1C}">
                 <a14:useLocalDpi xmlns:a14="http://schemas.microsoft.com/office/drawing/2010/main" val="0"/>
@@ -8328,7 +9168,7 @@
           <p:nvPr/>
         </p:nvPicPr>
         <p:blipFill>
-          <a:blip r:embed="rId4" cstate="print">
+          <a:blip r:embed="rId5" cstate="print">
             <a:extLst>
               <a:ext uri="{28A0092B-C50C-407E-A947-70E740481C1C}">
                 <a14:useLocalDpi xmlns:a14="http://schemas.microsoft.com/office/drawing/2010/main" val="0"/>
@@ -8358,7 +9198,7 @@
           <p:nvPr/>
         </p:nvPicPr>
         <p:blipFill rotWithShape="1">
-          <a:blip r:embed="rId5" cstate="print">
+          <a:blip r:embed="rId6" cstate="print">
             <a:extLst>
               <a:ext uri="{28A0092B-C50C-407E-A947-70E740481C1C}">
                 <a14:useLocalDpi xmlns:a14="http://schemas.microsoft.com/office/drawing/2010/main" val="0"/>
@@ -8524,21 +9364,49 @@
             <p:ph type="title"/>
           </p:nvPr>
         </p:nvSpPr>
-        <p:spPr/>
+        <p:spPr>
+          <a:noFill/>
+          <a:ln>
+            <a:noFill/>
+          </a:ln>
+          <a:extLst>
+            <a:ext uri="{909E8E84-426E-40DD-AFC4-6F175D3DCCD1}">
+              <a14:hiddenFill xmlns:a14="http://schemas.microsoft.com/office/drawing/2010/main">
+                <a:solidFill>
+                  <a:srgbClr val="FFFFFF"/>
+                </a:solidFill>
+              </a14:hiddenFill>
+            </a:ext>
+            <a:ext uri="{91240B29-F687-4F45-9708-019B960494DF}">
+              <a14:hiddenLine xmlns:a14="http://schemas.microsoft.com/office/drawing/2010/main" w="9525">
+                <a:solidFill>
+                  <a:srgbClr val="000000"/>
+                </a:solidFill>
+                <a:miter lim="800000"/>
+                <a:headEnd/>
+                <a:tailEnd/>
+              </a14:hiddenLine>
+            </a:ext>
+          </a:extLst>
+        </p:spPr>
         <p:txBody>
-          <a:bodyPr/>
+          <a:bodyPr vert="horz" wrap="square" lIns="91440" tIns="45720" rIns="91440" bIns="45720" numCol="1" anchor="ctr" anchorCtr="0" compatLnSpc="1">
+            <a:prstTxWarp prst="textNoShape">
+              <a:avLst/>
+            </a:prstTxWarp>
+          </a:bodyPr>
           <a:lstStyle/>
           <a:p>
             <a:pPr eaLnBrk="1" hangingPunct="1"/>
             <a:r>
-              <a:rPr lang="fr-FR" altLang="zh-TW" dirty="0" smtClean="0">
+              <a:rPr lang="fr-FR" altLang="zh-TW" b="1" dirty="0">
                 <a:solidFill>
                   <a:schemeClr val="bg1"/>
                 </a:solidFill>
               </a:rPr>
               <a:t>Reference</a:t>
             </a:r>
-            <a:endParaRPr lang="fr-FR" altLang="zh-TW" dirty="0">
+            <a:endParaRPr lang="fr-FR" altLang="zh-TW" b="1" dirty="0">
               <a:solidFill>
                 <a:schemeClr val="bg1"/>
               </a:solidFill>
@@ -8924,14 +9792,14 @@
           <a:p>
             <a:pPr eaLnBrk="1" hangingPunct="1"/>
             <a:r>
-              <a:rPr lang="fr-CA" dirty="0" smtClean="0">
+              <a:rPr lang="fr-CA" b="1" dirty="0" smtClean="0">
                 <a:solidFill>
                   <a:schemeClr val="bg1"/>
                 </a:solidFill>
               </a:rPr>
               <a:t>KUMA WASH</a:t>
             </a:r>
-            <a:endParaRPr lang="fr-FR" altLang="zh-TW" dirty="0" smtClean="0">
+            <a:endParaRPr lang="fr-FR" altLang="zh-TW" b="1" dirty="0" smtClean="0">
               <a:solidFill>
                 <a:schemeClr val="bg1"/>
               </a:solidFill>
@@ -9785,7 +10653,7 @@
           <a:p>
             <a:pPr eaLnBrk="1" hangingPunct="1"/>
             <a:r>
-              <a:rPr lang="fr-CA" altLang="zh-TW" dirty="0" smtClean="0">
+              <a:rPr lang="fr-CA" altLang="zh-TW" b="1" dirty="0" smtClean="0">
                 <a:solidFill>
                   <a:schemeClr val="bg1"/>
                 </a:solidFill>
@@ -9793,14 +10661,14 @@
               <a:t>Service-</a:t>
             </a:r>
             <a:r>
-              <a:rPr lang="zh-TW" altLang="en-US" dirty="0" smtClean="0">
+              <a:rPr lang="zh-TW" altLang="en-US" b="1" dirty="0" smtClean="0">
                 <a:solidFill>
                   <a:schemeClr val="bg1"/>
                 </a:solidFill>
               </a:rPr>
               <a:t>地區</a:t>
             </a:r>
-            <a:endParaRPr lang="fr-FR" altLang="zh-TW" dirty="0" smtClean="0">
+            <a:endParaRPr lang="fr-FR" altLang="zh-TW" b="1" dirty="0" smtClean="0">
               <a:solidFill>
                 <a:schemeClr val="bg1"/>
               </a:solidFill>
@@ -9866,6 +10734,181 @@
           </a:prstGeom>
         </p:spPr>
       </p:pic>
+      <p:sp>
+        <p:nvSpPr>
+          <p:cNvPr id="5" name="矩形 4"/>
+          <p:cNvSpPr/>
+          <p:nvPr/>
+        </p:nvSpPr>
+        <p:spPr>
+          <a:xfrm>
+            <a:off x="4687141" y="4293096"/>
+            <a:ext cx="1152128" cy="302221"/>
+          </a:xfrm>
+          <a:prstGeom prst="rect">
+            <a:avLst/>
+          </a:prstGeom>
+          <a:noFill/>
+          <a:ln w="38100"/>
+        </p:spPr>
+        <p:style>
+          <a:lnRef idx="2">
+            <a:schemeClr val="accent2"/>
+          </a:lnRef>
+          <a:fillRef idx="1">
+            <a:schemeClr val="lt1"/>
+          </a:fillRef>
+          <a:effectRef idx="0">
+            <a:schemeClr val="accent2"/>
+          </a:effectRef>
+          <a:fontRef idx="minor">
+            <a:schemeClr val="dk1"/>
+          </a:fontRef>
+        </p:style>
+        <p:txBody>
+          <a:bodyPr rtlCol="0" anchor="ctr"/>
+          <a:lstStyle/>
+          <a:p>
+            <a:pPr algn="ctr"/>
+            <a:endParaRPr lang="zh-TW" altLang="en-US"/>
+          </a:p>
+        </p:txBody>
+      </p:sp>
+      <p:sp>
+        <p:nvSpPr>
+          <p:cNvPr id="6" name="向右箭號 5"/>
+          <p:cNvSpPr/>
+          <p:nvPr/>
+        </p:nvSpPr>
+        <p:spPr>
+          <a:xfrm rot="19938087">
+            <a:off x="5843871" y="3732671"/>
+            <a:ext cx="1088454" cy="432048"/>
+          </a:xfrm>
+          <a:prstGeom prst="rightArrow">
+            <a:avLst/>
+          </a:prstGeom>
+          <a:noFill/>
+          <a:ln w="38100"/>
+        </p:spPr>
+        <p:style>
+          <a:lnRef idx="2">
+            <a:schemeClr val="accent2"/>
+          </a:lnRef>
+          <a:fillRef idx="1">
+            <a:schemeClr val="lt1"/>
+          </a:fillRef>
+          <a:effectRef idx="0">
+            <a:schemeClr val="accent2"/>
+          </a:effectRef>
+          <a:fontRef idx="minor">
+            <a:schemeClr val="dk1"/>
+          </a:fontRef>
+        </p:style>
+        <p:txBody>
+          <a:bodyPr rot="0" spcFirstLastPara="0" vertOverflow="overflow" horzOverflow="overflow" vert="horz" wrap="square" lIns="91440" tIns="45720" rIns="91440" bIns="45720" numCol="1" spcCol="0" rtlCol="0" fromWordArt="0" anchor="ctr" anchorCtr="0" forceAA="0" compatLnSpc="1">
+            <a:prstTxWarp prst="textNoShape">
+              <a:avLst/>
+            </a:prstTxWarp>
+            <a:noAutofit/>
+          </a:bodyPr>
+          <a:lstStyle/>
+          <a:p>
+            <a:pPr algn="ctr"/>
+            <a:endParaRPr lang="zh-TW" altLang="en-US"/>
+          </a:p>
+        </p:txBody>
+      </p:sp>
+      <p:sp>
+        <p:nvSpPr>
+          <p:cNvPr id="7" name="圓角矩形 6"/>
+          <p:cNvSpPr/>
+          <p:nvPr/>
+        </p:nvSpPr>
+        <p:spPr>
+          <a:xfrm>
+            <a:off x="6875748" y="2789240"/>
+            <a:ext cx="2160240" cy="864096"/>
+          </a:xfrm>
+          <a:prstGeom prst="roundRect">
+            <a:avLst/>
+          </a:prstGeom>
+          <a:noFill/>
+          <a:ln w="38100"/>
+        </p:spPr>
+        <p:style>
+          <a:lnRef idx="2">
+            <a:schemeClr val="accent2"/>
+          </a:lnRef>
+          <a:fillRef idx="1">
+            <a:schemeClr val="lt1"/>
+          </a:fillRef>
+          <a:effectRef idx="0">
+            <a:schemeClr val="accent2"/>
+          </a:effectRef>
+          <a:fontRef idx="minor">
+            <a:schemeClr val="dk1"/>
+          </a:fontRef>
+        </p:style>
+        <p:txBody>
+          <a:bodyPr rot="0" spcFirstLastPara="0" vertOverflow="overflow" horzOverflow="overflow" vert="horz" wrap="square" lIns="91440" tIns="45720" rIns="91440" bIns="45720" numCol="1" spcCol="0" rtlCol="0" fromWordArt="0" anchor="ctr" anchorCtr="0" forceAA="0" compatLnSpc="1">
+            <a:prstTxWarp prst="textNoShape">
+              <a:avLst/>
+            </a:prstTxWarp>
+            <a:noAutofit/>
+          </a:bodyPr>
+          <a:lstStyle/>
+          <a:p>
+            <a:pPr algn="ctr"/>
+            <a:r>
+              <a:rPr lang="zh-TW" altLang="en-US" b="1" dirty="0">
+                <a:latin typeface="微軟正黑體" panose="020B0604030504040204" pitchFamily="34" charset="-120"/>
+                <a:ea typeface="微軟正黑體" panose="020B0604030504040204" pitchFamily="34" charset="-120"/>
+              </a:rPr>
+              <a:t>忠孝東路以北</a:t>
+            </a:r>
+          </a:p>
+        </p:txBody>
+      </p:sp>
+      <p:pic>
+        <p:nvPicPr>
+          <p:cNvPr id="9" name="圖片 8"/>
+          <p:cNvPicPr>
+            <a:picLocks noChangeAspect="1"/>
+          </p:cNvPicPr>
+          <p:nvPr/>
+        </p:nvPicPr>
+        <p:blipFill>
+          <a:blip r:embed="rId5">
+            <a:extLst>
+              <a:ext uri="{BEBA8EAE-BF5A-486C-A8C5-ECC9F3942E4B}">
+                <a14:imgProps xmlns:a14="http://schemas.microsoft.com/office/drawing/2010/main">
+                  <a14:imgLayer r:embed="rId6">
+                    <a14:imgEffect>
+                      <a14:backgroundRemoval t="0" b="90572" l="0" r="97418"/>
+                    </a14:imgEffect>
+                  </a14:imgLayer>
+                </a14:imgProps>
+              </a:ext>
+              <a:ext uri="{28A0092B-C50C-407E-A947-70E740481C1C}">
+                <a14:useLocalDpi xmlns:a14="http://schemas.microsoft.com/office/drawing/2010/main" val="0"/>
+              </a:ext>
+            </a:extLst>
+          </a:blip>
+          <a:stretch>
+            <a:fillRect/>
+          </a:stretch>
+        </p:blipFill>
+        <p:spPr>
+          <a:xfrm rot="21140307">
+            <a:off x="2865462" y="3449908"/>
+            <a:ext cx="4426177" cy="1886047"/>
+          </a:xfrm>
+          <a:prstGeom prst="rect">
+            <a:avLst/>
+          </a:prstGeom>
+        </p:spPr>
+      </p:pic>
     </p:spTree>
     <p:extLst>
       <p:ext uri="{BB962C8B-B14F-4D97-AF65-F5344CB8AC3E}">
@@ -9879,9 +10922,409 @@
   <p:timing>
     <p:tnLst>
       <p:par>
-        <p:cTn id="1" dur="indefinite" restart="never" nodeType="tmRoot"/>
+        <p:cTn id="1" dur="indefinite" restart="never" nodeType="tmRoot">
+          <p:childTnLst>
+            <p:seq concurrent="1" nextAc="seek">
+              <p:cTn id="2" dur="indefinite" nodeType="mainSeq">
+                <p:childTnLst>
+                  <p:par>
+                    <p:cTn id="3" fill="hold">
+                      <p:stCondLst>
+                        <p:cond delay="indefinite"/>
+                      </p:stCondLst>
+                      <p:childTnLst>
+                        <p:par>
+                          <p:cTn id="4" fill="hold">
+                            <p:stCondLst>
+                              <p:cond delay="0"/>
+                            </p:stCondLst>
+                            <p:childTnLst>
+                              <p:par>
+                                <p:cTn id="5" presetID="2" presetClass="entr" presetSubtype="4" fill="hold" grpId="0" nodeType="clickEffect">
+                                  <p:stCondLst>
+                                    <p:cond delay="0"/>
+                                  </p:stCondLst>
+                                  <p:childTnLst>
+                                    <p:set>
+                                      <p:cBhvr>
+                                        <p:cTn id="6" dur="1" fill="hold">
+                                          <p:stCondLst>
+                                            <p:cond delay="0"/>
+                                          </p:stCondLst>
+                                        </p:cTn>
+                                        <p:tgtEl>
+                                          <p:spTgt spid="5"/>
+                                        </p:tgtEl>
+                                        <p:attrNameLst>
+                                          <p:attrName>style.visibility</p:attrName>
+                                        </p:attrNameLst>
+                                      </p:cBhvr>
+                                      <p:to>
+                                        <p:strVal val="visible"/>
+                                      </p:to>
+                                    </p:set>
+                                    <p:anim calcmode="lin" valueType="num">
+                                      <p:cBhvr additive="base">
+                                        <p:cTn id="7" dur="500" fill="hold"/>
+                                        <p:tgtEl>
+                                          <p:spTgt spid="5"/>
+                                        </p:tgtEl>
+                                        <p:attrNameLst>
+                                          <p:attrName>ppt_x</p:attrName>
+                                        </p:attrNameLst>
+                                      </p:cBhvr>
+                                      <p:tavLst>
+                                        <p:tav tm="0">
+                                          <p:val>
+                                            <p:strVal val="#ppt_x"/>
+                                          </p:val>
+                                        </p:tav>
+                                        <p:tav tm="100000">
+                                          <p:val>
+                                            <p:strVal val="#ppt_x"/>
+                                          </p:val>
+                                        </p:tav>
+                                      </p:tavLst>
+                                    </p:anim>
+                                    <p:anim calcmode="lin" valueType="num">
+                                      <p:cBhvr additive="base">
+                                        <p:cTn id="8" dur="500" fill="hold"/>
+                                        <p:tgtEl>
+                                          <p:spTgt spid="5"/>
+                                        </p:tgtEl>
+                                        <p:attrNameLst>
+                                          <p:attrName>ppt_y</p:attrName>
+                                        </p:attrNameLst>
+                                      </p:cBhvr>
+                                      <p:tavLst>
+                                        <p:tav tm="0">
+                                          <p:val>
+                                            <p:strVal val="1+#ppt_h/2"/>
+                                          </p:val>
+                                        </p:tav>
+                                        <p:tav tm="100000">
+                                          <p:val>
+                                            <p:strVal val="#ppt_y"/>
+                                          </p:val>
+                                        </p:tav>
+                                      </p:tavLst>
+                                    </p:anim>
+                                  </p:childTnLst>
+                                </p:cTn>
+                              </p:par>
+                            </p:childTnLst>
+                          </p:cTn>
+                        </p:par>
+                      </p:childTnLst>
+                    </p:cTn>
+                  </p:par>
+                  <p:par>
+                    <p:cTn id="9" fill="hold">
+                      <p:stCondLst>
+                        <p:cond delay="indefinite"/>
+                      </p:stCondLst>
+                      <p:childTnLst>
+                        <p:par>
+                          <p:cTn id="10" fill="hold">
+                            <p:stCondLst>
+                              <p:cond delay="0"/>
+                            </p:stCondLst>
+                            <p:childTnLst>
+                              <p:par>
+                                <p:cTn id="11" presetID="2" presetClass="entr" presetSubtype="4" fill="hold" grpId="0" nodeType="clickEffect">
+                                  <p:stCondLst>
+                                    <p:cond delay="0"/>
+                                  </p:stCondLst>
+                                  <p:childTnLst>
+                                    <p:set>
+                                      <p:cBhvr>
+                                        <p:cTn id="12" dur="1" fill="hold">
+                                          <p:stCondLst>
+                                            <p:cond delay="0"/>
+                                          </p:stCondLst>
+                                        </p:cTn>
+                                        <p:tgtEl>
+                                          <p:spTgt spid="6"/>
+                                        </p:tgtEl>
+                                        <p:attrNameLst>
+                                          <p:attrName>style.visibility</p:attrName>
+                                        </p:attrNameLst>
+                                      </p:cBhvr>
+                                      <p:to>
+                                        <p:strVal val="visible"/>
+                                      </p:to>
+                                    </p:set>
+                                    <p:anim calcmode="lin" valueType="num">
+                                      <p:cBhvr additive="base">
+                                        <p:cTn id="13" dur="500" fill="hold"/>
+                                        <p:tgtEl>
+                                          <p:spTgt spid="6"/>
+                                        </p:tgtEl>
+                                        <p:attrNameLst>
+                                          <p:attrName>ppt_x</p:attrName>
+                                        </p:attrNameLst>
+                                      </p:cBhvr>
+                                      <p:tavLst>
+                                        <p:tav tm="0">
+                                          <p:val>
+                                            <p:strVal val="#ppt_x"/>
+                                          </p:val>
+                                        </p:tav>
+                                        <p:tav tm="100000">
+                                          <p:val>
+                                            <p:strVal val="#ppt_x"/>
+                                          </p:val>
+                                        </p:tav>
+                                      </p:tavLst>
+                                    </p:anim>
+                                    <p:anim calcmode="lin" valueType="num">
+                                      <p:cBhvr additive="base">
+                                        <p:cTn id="14" dur="500" fill="hold"/>
+                                        <p:tgtEl>
+                                          <p:spTgt spid="6"/>
+                                        </p:tgtEl>
+                                        <p:attrNameLst>
+                                          <p:attrName>ppt_y</p:attrName>
+                                        </p:attrNameLst>
+                                      </p:cBhvr>
+                                      <p:tavLst>
+                                        <p:tav tm="0">
+                                          <p:val>
+                                            <p:strVal val="1+#ppt_h/2"/>
+                                          </p:val>
+                                        </p:tav>
+                                        <p:tav tm="100000">
+                                          <p:val>
+                                            <p:strVal val="#ppt_y"/>
+                                          </p:val>
+                                        </p:tav>
+                                      </p:tavLst>
+                                    </p:anim>
+                                  </p:childTnLst>
+                                </p:cTn>
+                              </p:par>
+                            </p:childTnLst>
+                          </p:cTn>
+                        </p:par>
+                      </p:childTnLst>
+                    </p:cTn>
+                  </p:par>
+                  <p:par>
+                    <p:cTn id="15" fill="hold">
+                      <p:stCondLst>
+                        <p:cond delay="indefinite"/>
+                      </p:stCondLst>
+                      <p:childTnLst>
+                        <p:par>
+                          <p:cTn id="16" fill="hold">
+                            <p:stCondLst>
+                              <p:cond delay="0"/>
+                            </p:stCondLst>
+                            <p:childTnLst>
+                              <p:par>
+                                <p:cTn id="17" presetID="2" presetClass="entr" presetSubtype="4" fill="hold" grpId="0" nodeType="clickEffect">
+                                  <p:stCondLst>
+                                    <p:cond delay="0"/>
+                                  </p:stCondLst>
+                                  <p:childTnLst>
+                                    <p:set>
+                                      <p:cBhvr>
+                                        <p:cTn id="18" dur="1" fill="hold">
+                                          <p:stCondLst>
+                                            <p:cond delay="0"/>
+                                          </p:stCondLst>
+                                        </p:cTn>
+                                        <p:tgtEl>
+                                          <p:spTgt spid="7"/>
+                                        </p:tgtEl>
+                                        <p:attrNameLst>
+                                          <p:attrName>style.visibility</p:attrName>
+                                        </p:attrNameLst>
+                                      </p:cBhvr>
+                                      <p:to>
+                                        <p:strVal val="visible"/>
+                                      </p:to>
+                                    </p:set>
+                                    <p:anim calcmode="lin" valueType="num">
+                                      <p:cBhvr additive="base">
+                                        <p:cTn id="19" dur="500" fill="hold"/>
+                                        <p:tgtEl>
+                                          <p:spTgt spid="7"/>
+                                        </p:tgtEl>
+                                        <p:attrNameLst>
+                                          <p:attrName>ppt_x</p:attrName>
+                                        </p:attrNameLst>
+                                      </p:cBhvr>
+                                      <p:tavLst>
+                                        <p:tav tm="0">
+                                          <p:val>
+                                            <p:strVal val="#ppt_x"/>
+                                          </p:val>
+                                        </p:tav>
+                                        <p:tav tm="100000">
+                                          <p:val>
+                                            <p:strVal val="#ppt_x"/>
+                                          </p:val>
+                                        </p:tav>
+                                      </p:tavLst>
+                                    </p:anim>
+                                    <p:anim calcmode="lin" valueType="num">
+                                      <p:cBhvr additive="base">
+                                        <p:cTn id="20" dur="500" fill="hold"/>
+                                        <p:tgtEl>
+                                          <p:spTgt spid="7"/>
+                                        </p:tgtEl>
+                                        <p:attrNameLst>
+                                          <p:attrName>ppt_y</p:attrName>
+                                        </p:attrNameLst>
+                                      </p:cBhvr>
+                                      <p:tavLst>
+                                        <p:tav tm="0">
+                                          <p:val>
+                                            <p:strVal val="1+#ppt_h/2"/>
+                                          </p:val>
+                                        </p:tav>
+                                        <p:tav tm="100000">
+                                          <p:val>
+                                            <p:strVal val="#ppt_y"/>
+                                          </p:val>
+                                        </p:tav>
+                                      </p:tavLst>
+                                    </p:anim>
+                                  </p:childTnLst>
+                                </p:cTn>
+                              </p:par>
+                            </p:childTnLst>
+                          </p:cTn>
+                        </p:par>
+                      </p:childTnLst>
+                    </p:cTn>
+                  </p:par>
+                  <p:par>
+                    <p:cTn id="21" fill="hold">
+                      <p:stCondLst>
+                        <p:cond delay="indefinite"/>
+                      </p:stCondLst>
+                      <p:childTnLst>
+                        <p:par>
+                          <p:cTn id="22" fill="hold">
+                            <p:stCondLst>
+                              <p:cond delay="0"/>
+                            </p:stCondLst>
+                            <p:childTnLst>
+                              <p:par>
+                                <p:cTn id="23" presetID="42" presetClass="entr" presetSubtype="0" fill="hold" nodeType="clickEffect">
+                                  <p:stCondLst>
+                                    <p:cond delay="0"/>
+                                  </p:stCondLst>
+                                  <p:childTnLst>
+                                    <p:set>
+                                      <p:cBhvr>
+                                        <p:cTn id="24" dur="1" fill="hold">
+                                          <p:stCondLst>
+                                            <p:cond delay="0"/>
+                                          </p:stCondLst>
+                                        </p:cTn>
+                                        <p:tgtEl>
+                                          <p:spTgt spid="9"/>
+                                        </p:tgtEl>
+                                        <p:attrNameLst>
+                                          <p:attrName>style.visibility</p:attrName>
+                                        </p:attrNameLst>
+                                      </p:cBhvr>
+                                      <p:to>
+                                        <p:strVal val="visible"/>
+                                      </p:to>
+                                    </p:set>
+                                    <p:animEffect transition="in" filter="fade">
+                                      <p:cBhvr>
+                                        <p:cTn id="25" dur="1000"/>
+                                        <p:tgtEl>
+                                          <p:spTgt spid="9"/>
+                                        </p:tgtEl>
+                                      </p:cBhvr>
+                                    </p:animEffect>
+                                    <p:anim calcmode="lin" valueType="num">
+                                      <p:cBhvr>
+                                        <p:cTn id="26" dur="1000" fill="hold"/>
+                                        <p:tgtEl>
+                                          <p:spTgt spid="9"/>
+                                        </p:tgtEl>
+                                        <p:attrNameLst>
+                                          <p:attrName>ppt_x</p:attrName>
+                                        </p:attrNameLst>
+                                      </p:cBhvr>
+                                      <p:tavLst>
+                                        <p:tav tm="0">
+                                          <p:val>
+                                            <p:strVal val="#ppt_x"/>
+                                          </p:val>
+                                        </p:tav>
+                                        <p:tav tm="100000">
+                                          <p:val>
+                                            <p:strVal val="#ppt_x"/>
+                                          </p:val>
+                                        </p:tav>
+                                      </p:tavLst>
+                                    </p:anim>
+                                    <p:anim calcmode="lin" valueType="num">
+                                      <p:cBhvr>
+                                        <p:cTn id="27" dur="1000" fill="hold"/>
+                                        <p:tgtEl>
+                                          <p:spTgt spid="9"/>
+                                        </p:tgtEl>
+                                        <p:attrNameLst>
+                                          <p:attrName>ppt_y</p:attrName>
+                                        </p:attrNameLst>
+                                      </p:cBhvr>
+                                      <p:tavLst>
+                                        <p:tav tm="0">
+                                          <p:val>
+                                            <p:strVal val="#ppt_y+.1"/>
+                                          </p:val>
+                                        </p:tav>
+                                        <p:tav tm="100000">
+                                          <p:val>
+                                            <p:strVal val="#ppt_y"/>
+                                          </p:val>
+                                        </p:tav>
+                                      </p:tavLst>
+                                    </p:anim>
+                                  </p:childTnLst>
+                                </p:cTn>
+                              </p:par>
+                            </p:childTnLst>
+                          </p:cTn>
+                        </p:par>
+                      </p:childTnLst>
+                    </p:cTn>
+                  </p:par>
+                </p:childTnLst>
+              </p:cTn>
+              <p:prevCondLst>
+                <p:cond evt="onPrev" delay="0">
+                  <p:tgtEl>
+                    <p:sldTgt/>
+                  </p:tgtEl>
+                </p:cond>
+              </p:prevCondLst>
+              <p:nextCondLst>
+                <p:cond evt="onNext" delay="0">
+                  <p:tgtEl>
+                    <p:sldTgt/>
+                  </p:tgtEl>
+                </p:cond>
+              </p:nextCondLst>
+            </p:seq>
+          </p:childTnLst>
+        </p:cTn>
       </p:par>
     </p:tnLst>
+    <p:bldLst>
+      <p:bldP spid="5" grpId="0" animBg="1"/>
+      <p:bldP spid="6" grpId="0" animBg="1"/>
+      <p:bldP spid="7" grpId="0" animBg="1"/>
+    </p:bldLst>
   </p:timing>
 </p:sld>
 </file>
@@ -10023,7 +11466,7 @@
           <a:p>
             <a:pPr eaLnBrk="1" hangingPunct="1"/>
             <a:r>
-              <a:rPr lang="fr-CA" altLang="zh-TW" dirty="0" smtClean="0">
+              <a:rPr lang="fr-CA" altLang="zh-TW" b="1" dirty="0" smtClean="0">
                 <a:solidFill>
                   <a:schemeClr val="bg1"/>
                 </a:solidFill>
@@ -10031,7 +11474,7 @@
               <a:t>Service-</a:t>
             </a:r>
             <a:r>
-              <a:rPr lang="zh-TW" altLang="en-US" dirty="0" smtClean="0">
+              <a:rPr lang="zh-TW" altLang="en-US" b="1" dirty="0" smtClean="0">
                 <a:solidFill>
                   <a:schemeClr val="bg1"/>
                 </a:solidFill>
@@ -10040,7 +11483,7 @@
               </a:rPr>
               <a:t>平台</a:t>
             </a:r>
-            <a:endParaRPr lang="fr-FR" altLang="zh-TW" dirty="0" smtClean="0">
+            <a:endParaRPr lang="fr-FR" altLang="zh-TW" b="1" dirty="0" smtClean="0">
               <a:solidFill>
                 <a:schemeClr val="bg1"/>
               </a:solidFill>
@@ -10416,7 +11859,7 @@
           <a:p>
             <a:pPr eaLnBrk="1" hangingPunct="1"/>
             <a:r>
-              <a:rPr lang="fr-CA" altLang="zh-TW" dirty="0" smtClean="0">
+              <a:rPr lang="fr-CA" altLang="zh-TW" b="1" dirty="0" smtClean="0">
                 <a:solidFill>
                   <a:schemeClr val="bg1"/>
                 </a:solidFill>
@@ -10424,7 +11867,7 @@
               <a:t>Service-</a:t>
             </a:r>
             <a:r>
-              <a:rPr lang="zh-TW" altLang="en-US" dirty="0" smtClean="0">
+              <a:rPr lang="zh-TW" altLang="en-US" b="1" dirty="0" smtClean="0">
                 <a:solidFill>
                   <a:schemeClr val="bg1"/>
                 </a:solidFill>
@@ -10434,7 +11877,7 @@
               <a:t>行動</a:t>
             </a:r>
             <a:r>
-              <a:rPr lang="en-US" altLang="zh-TW" dirty="0" smtClean="0">
+              <a:rPr lang="en-US" altLang="zh-TW" b="1" dirty="0" smtClean="0">
                 <a:solidFill>
                   <a:schemeClr val="bg1"/>
                 </a:solidFill>
@@ -10444,7 +11887,7 @@
               <a:t>AP</a:t>
             </a:r>
             <a:r>
-              <a:rPr lang="en-US" altLang="zh-TW" dirty="0">
+              <a:rPr lang="en-US" altLang="zh-TW" b="1" dirty="0">
                 <a:solidFill>
                   <a:schemeClr val="bg1"/>
                 </a:solidFill>
@@ -10453,7 +11896,7 @@
               </a:rPr>
               <a:t>P</a:t>
             </a:r>
-            <a:endParaRPr lang="fr-FR" altLang="zh-TW" dirty="0" smtClean="0">
+            <a:endParaRPr lang="fr-FR" altLang="zh-TW" b="1" dirty="0" smtClean="0">
               <a:solidFill>
                 <a:schemeClr val="bg1"/>
               </a:solidFill>
@@ -10729,11 +12172,17 @@
           <a:p>
             <a:pPr algn="ctr"/>
             <a:r>
-              <a:rPr lang="zh-TW" altLang="en-US" dirty="0" smtClean="0"/>
+              <a:rPr lang="zh-TW" altLang="en-US" b="1" dirty="0" smtClean="0">
+                <a:latin typeface="微軟正黑體" panose="020B0604030504040204" pitchFamily="34" charset="-120"/>
+                <a:ea typeface="微軟正黑體" panose="020B0604030504040204" pitchFamily="34" charset="-120"/>
+              </a:rPr>
               <a:t>輸入地</a:t>
             </a:r>
             <a:r>
-              <a:rPr lang="zh-TW" altLang="en-US" dirty="0"/>
+              <a:rPr lang="zh-TW" altLang="en-US" b="1" dirty="0">
+                <a:latin typeface="微軟正黑體" panose="020B0604030504040204" pitchFamily="34" charset="-120"/>
+                <a:ea typeface="微軟正黑體" panose="020B0604030504040204" pitchFamily="34" charset="-120"/>
+              </a:rPr>
               <a:t>址</a:t>
             </a:r>
           </a:p>
@@ -10781,10 +12230,16 @@
           <a:p>
             <a:pPr algn="ctr"/>
             <a:r>
-              <a:rPr lang="zh-TW" altLang="en-US" dirty="0" smtClean="0"/>
+              <a:rPr lang="zh-TW" altLang="en-US" b="1" dirty="0" smtClean="0">
+                <a:latin typeface="微軟正黑體" panose="020B0604030504040204" pitchFamily="34" charset="-120"/>
+                <a:ea typeface="微軟正黑體" panose="020B0604030504040204" pitchFamily="34" charset="-120"/>
+              </a:rPr>
               <a:t>選擇方案</a:t>
             </a:r>
-            <a:endParaRPr lang="zh-TW" altLang="en-US" dirty="0"/>
+            <a:endParaRPr lang="zh-TW" altLang="en-US" b="1" dirty="0">
+              <a:latin typeface="微軟正黑體" panose="020B0604030504040204" pitchFamily="34" charset="-120"/>
+              <a:ea typeface="微軟正黑體" panose="020B0604030504040204" pitchFamily="34" charset="-120"/>
+            </a:endParaRPr>
           </a:p>
         </p:txBody>
       </p:sp>
@@ -10875,10 +12330,16 @@
           <a:p>
             <a:pPr algn="ctr"/>
             <a:r>
-              <a:rPr lang="zh-TW" altLang="en-US" dirty="0" smtClean="0"/>
+              <a:rPr lang="zh-TW" altLang="en-US" b="1" dirty="0" smtClean="0">
+                <a:latin typeface="微軟正黑體" panose="020B0604030504040204" pitchFamily="34" charset="-120"/>
+                <a:ea typeface="微軟正黑體" panose="020B0604030504040204" pitchFamily="34" charset="-120"/>
+              </a:rPr>
               <a:t>加值服務</a:t>
             </a:r>
-            <a:endParaRPr lang="zh-TW" altLang="en-US" dirty="0"/>
+            <a:endParaRPr lang="zh-TW" altLang="en-US" b="1" dirty="0">
+              <a:latin typeface="微軟正黑體" panose="020B0604030504040204" pitchFamily="34" charset="-120"/>
+              <a:ea typeface="微軟正黑體" panose="020B0604030504040204" pitchFamily="34" charset="-120"/>
+            </a:endParaRPr>
           </a:p>
         </p:txBody>
       </p:sp>
@@ -12108,4 +13569,265 @@
   </a:objectDefaults>
   <a:extraClrSchemeLst/>
 </a:theme>
+</file>
+
+<file path=ppt/theme/theme2.xml><?xml version="1.0" encoding="utf-8"?>
+<a:theme xmlns:a="http://schemas.openxmlformats.org/drawingml/2006/main" name="Office 佈景主題">
+  <a:themeElements>
+    <a:clrScheme name="Office">
+      <a:dk1>
+        <a:sysClr val="windowText" lastClr="000000"/>
+      </a:dk1>
+      <a:lt1>
+        <a:sysClr val="window" lastClr="FFFFFF"/>
+      </a:lt1>
+      <a:dk2>
+        <a:srgbClr val="44546A"/>
+      </a:dk2>
+      <a:lt2>
+        <a:srgbClr val="E7E6E6"/>
+      </a:lt2>
+      <a:accent1>
+        <a:srgbClr val="5B9BD5"/>
+      </a:accent1>
+      <a:accent2>
+        <a:srgbClr val="ED7D31"/>
+      </a:accent2>
+      <a:accent3>
+        <a:srgbClr val="A5A5A5"/>
+      </a:accent3>
+      <a:accent4>
+        <a:srgbClr val="FFC000"/>
+      </a:accent4>
+      <a:accent5>
+        <a:srgbClr val="4472C4"/>
+      </a:accent5>
+      <a:accent6>
+        <a:srgbClr val="70AD47"/>
+      </a:accent6>
+      <a:hlink>
+        <a:srgbClr val="0563C1"/>
+      </a:hlink>
+      <a:folHlink>
+        <a:srgbClr val="954F72"/>
+      </a:folHlink>
+    </a:clrScheme>
+    <a:fontScheme name="Office">
+      <a:majorFont>
+        <a:latin typeface="Calibri Light" panose="020F0302020204030204"/>
+        <a:ea typeface=""/>
+        <a:cs typeface=""/>
+        <a:font script="Jpan" typeface="ＭＳ Ｐゴシック"/>
+        <a:font script="Hang" typeface="맑은 고딕"/>
+        <a:font script="Hans" typeface="宋体"/>
+        <a:font script="Hant" typeface="新細明體"/>
+        <a:font script="Arab" typeface="Times New Roman"/>
+        <a:font script="Hebr" typeface="Times New Roman"/>
+        <a:font script="Thai" typeface="Angsana New"/>
+        <a:font script="Ethi" typeface="Nyala"/>
+        <a:font script="Beng" typeface="Vrinda"/>
+        <a:font script="Gujr" typeface="Shruti"/>
+        <a:font script="Khmr" typeface="MoolBoran"/>
+        <a:font script="Knda" typeface="Tunga"/>
+        <a:font script="Guru" typeface="Raavi"/>
+        <a:font script="Cans" typeface="Euphemia"/>
+        <a:font script="Cher" typeface="Plantagenet Cherokee"/>
+        <a:font script="Yiii" typeface="Microsoft Yi Baiti"/>
+        <a:font script="Tibt" typeface="Microsoft Himalaya"/>
+        <a:font script="Thaa" typeface="MV Boli"/>
+        <a:font script="Deva" typeface="Mangal"/>
+        <a:font script="Telu" typeface="Gautami"/>
+        <a:font script="Taml" typeface="Latha"/>
+        <a:font script="Syrc" typeface="Estrangelo Edessa"/>
+        <a:font script="Orya" typeface="Kalinga"/>
+        <a:font script="Mlym" typeface="Kartika"/>
+        <a:font script="Laoo" typeface="DokChampa"/>
+        <a:font script="Sinh" typeface="Iskoola Pota"/>
+        <a:font script="Mong" typeface="Mongolian Baiti"/>
+        <a:font script="Viet" typeface="Times New Roman"/>
+        <a:font script="Uigh" typeface="Microsoft Uighur"/>
+        <a:font script="Geor" typeface="Sylfaen"/>
+      </a:majorFont>
+      <a:minorFont>
+        <a:latin typeface="Calibri" panose="020F0502020204030204"/>
+        <a:ea typeface=""/>
+        <a:cs typeface=""/>
+        <a:font script="Jpan" typeface="ＭＳ Ｐゴシック"/>
+        <a:font script="Hang" typeface="맑은 고딕"/>
+        <a:font script="Hans" typeface="宋体"/>
+        <a:font script="Hant" typeface="新細明體"/>
+        <a:font script="Arab" typeface="Arial"/>
+        <a:font script="Hebr" typeface="Arial"/>
+        <a:font script="Thai" typeface="Cordia New"/>
+        <a:font script="Ethi" typeface="Nyala"/>
+        <a:font script="Beng" typeface="Vrinda"/>
+        <a:font script="Gujr" typeface="Shruti"/>
+        <a:font script="Khmr" typeface="DaunPenh"/>
+        <a:font script="Knda" typeface="Tunga"/>
+        <a:font script="Guru" typeface="Raavi"/>
+        <a:font script="Cans" typeface="Euphemia"/>
+        <a:font script="Cher" typeface="Plantagenet Cherokee"/>
+        <a:font script="Yiii" typeface="Microsoft Yi Baiti"/>
+        <a:font script="Tibt" typeface="Microsoft Himalaya"/>
+        <a:font script="Thaa" typeface="MV Boli"/>
+        <a:font script="Deva" typeface="Mangal"/>
+        <a:font script="Telu" typeface="Gautami"/>
+        <a:font script="Taml" typeface="Latha"/>
+        <a:font script="Syrc" typeface="Estrangelo Edessa"/>
+        <a:font script="Orya" typeface="Kalinga"/>
+        <a:font script="Mlym" typeface="Kartika"/>
+        <a:font script="Laoo" typeface="DokChampa"/>
+        <a:font script="Sinh" typeface="Iskoola Pota"/>
+        <a:font script="Mong" typeface="Mongolian Baiti"/>
+        <a:font script="Viet" typeface="Arial"/>
+        <a:font script="Uigh" typeface="Microsoft Uighur"/>
+        <a:font script="Geor" typeface="Sylfaen"/>
+      </a:minorFont>
+    </a:fontScheme>
+    <a:fmtScheme name="Office">
+      <a:fillStyleLst>
+        <a:solidFill>
+          <a:schemeClr val="phClr"/>
+        </a:solidFill>
+        <a:gradFill rotWithShape="1">
+          <a:gsLst>
+            <a:gs pos="0">
+              <a:schemeClr val="phClr">
+                <a:lumMod val="110000"/>
+                <a:satMod val="105000"/>
+                <a:tint val="67000"/>
+              </a:schemeClr>
+            </a:gs>
+            <a:gs pos="50000">
+              <a:schemeClr val="phClr">
+                <a:lumMod val="105000"/>
+                <a:satMod val="103000"/>
+                <a:tint val="73000"/>
+              </a:schemeClr>
+            </a:gs>
+            <a:gs pos="100000">
+              <a:schemeClr val="phClr">
+                <a:lumMod val="105000"/>
+                <a:satMod val="109000"/>
+                <a:tint val="81000"/>
+              </a:schemeClr>
+            </a:gs>
+          </a:gsLst>
+          <a:lin ang="5400000" scaled="0"/>
+        </a:gradFill>
+        <a:gradFill rotWithShape="1">
+          <a:gsLst>
+            <a:gs pos="0">
+              <a:schemeClr val="phClr">
+                <a:satMod val="103000"/>
+                <a:lumMod val="102000"/>
+                <a:tint val="94000"/>
+              </a:schemeClr>
+            </a:gs>
+            <a:gs pos="50000">
+              <a:schemeClr val="phClr">
+                <a:satMod val="110000"/>
+                <a:lumMod val="100000"/>
+                <a:shade val="100000"/>
+              </a:schemeClr>
+            </a:gs>
+            <a:gs pos="100000">
+              <a:schemeClr val="phClr">
+                <a:lumMod val="99000"/>
+                <a:satMod val="120000"/>
+                <a:shade val="78000"/>
+              </a:schemeClr>
+            </a:gs>
+          </a:gsLst>
+          <a:lin ang="5400000" scaled="0"/>
+        </a:gradFill>
+      </a:fillStyleLst>
+      <a:lnStyleLst>
+        <a:ln w="6350" cap="flat" cmpd="sng" algn="ctr">
+          <a:solidFill>
+            <a:schemeClr val="phClr"/>
+          </a:solidFill>
+          <a:prstDash val="solid"/>
+          <a:miter lim="800000"/>
+        </a:ln>
+        <a:ln w="12700" cap="flat" cmpd="sng" algn="ctr">
+          <a:solidFill>
+            <a:schemeClr val="phClr"/>
+          </a:solidFill>
+          <a:prstDash val="solid"/>
+          <a:miter lim="800000"/>
+        </a:ln>
+        <a:ln w="19050" cap="flat" cmpd="sng" algn="ctr">
+          <a:solidFill>
+            <a:schemeClr val="phClr"/>
+          </a:solidFill>
+          <a:prstDash val="solid"/>
+          <a:miter lim="800000"/>
+        </a:ln>
+      </a:lnStyleLst>
+      <a:effectStyleLst>
+        <a:effectStyle>
+          <a:effectLst/>
+        </a:effectStyle>
+        <a:effectStyle>
+          <a:effectLst/>
+        </a:effectStyle>
+        <a:effectStyle>
+          <a:effectLst>
+            <a:outerShdw blurRad="57150" dist="19050" dir="5400000" algn="ctr" rotWithShape="0">
+              <a:srgbClr val="000000">
+                <a:alpha val="63000"/>
+              </a:srgbClr>
+            </a:outerShdw>
+          </a:effectLst>
+        </a:effectStyle>
+      </a:effectStyleLst>
+      <a:bgFillStyleLst>
+        <a:solidFill>
+          <a:schemeClr val="phClr"/>
+        </a:solidFill>
+        <a:solidFill>
+          <a:schemeClr val="phClr">
+            <a:tint val="95000"/>
+            <a:satMod val="170000"/>
+          </a:schemeClr>
+        </a:solidFill>
+        <a:gradFill rotWithShape="1">
+          <a:gsLst>
+            <a:gs pos="0">
+              <a:schemeClr val="phClr">
+                <a:tint val="93000"/>
+                <a:satMod val="150000"/>
+                <a:shade val="98000"/>
+                <a:lumMod val="102000"/>
+              </a:schemeClr>
+            </a:gs>
+            <a:gs pos="50000">
+              <a:schemeClr val="phClr">
+                <a:tint val="98000"/>
+                <a:satMod val="130000"/>
+                <a:shade val="90000"/>
+                <a:lumMod val="103000"/>
+              </a:schemeClr>
+            </a:gs>
+            <a:gs pos="100000">
+              <a:schemeClr val="phClr">
+                <a:shade val="63000"/>
+                <a:satMod val="120000"/>
+              </a:schemeClr>
+            </a:gs>
+          </a:gsLst>
+          <a:lin ang="5400000" scaled="0"/>
+        </a:gradFill>
+      </a:bgFillStyleLst>
+    </a:fmtScheme>
+  </a:themeElements>
+  <a:objectDefaults/>
+  <a:extraClrSchemeLst/>
+  <a:extLst>
+    <a:ext uri="{05A4C25C-085E-4340-85A3-A5531E510DB2}">
+      <thm15:themeFamily xmlns:thm15="http://schemas.microsoft.com/office/thememl/2012/main" name="Office Theme" id="{62F939B6-93AF-4DB8-9C6B-D6C7DFDC589F}" vid="{4A3C46E8-61CC-4603-A589-7422A47A8E4A}"/>
+    </a:ext>
+  </a:extLst>
+</a:theme>
 </file>